--- a/MFC 문법.pptx
+++ b/MFC 문법.pptx
@@ -8,6 +8,7 @@
     <p:sldId id="257" r:id="rId2"/>
     <p:sldId id="258" r:id="rId3"/>
     <p:sldId id="259" r:id="rId4"/>
+    <p:sldId id="260" r:id="rId5"/>
   </p:sldIdLst>
   <p:sldSz cx="12192000" cy="6858000"/>
   <p:notesSz cx="6858000" cy="9144000"/>
@@ -106,7 +107,2610 @@
       </a:defRPr>
     </a:lvl9pPr>
   </p:defaultTextStyle>
+  <p:extLst>
+    <p:ext uri="{EFAFB233-063F-42B5-8137-9DF3F51BA10A}">
+      <p15:sldGuideLst xmlns:p15="http://schemas.microsoft.com/office/powerpoint/2012/main"/>
+    </p:ext>
+  </p:extLst>
 </p:presentation>
+</file>
+
+<file path=ppt/diagrams/colors1.xml><?xml version="1.0" encoding="utf-8"?>
+<dgm:colorsDef xmlns:dgm="http://schemas.openxmlformats.org/drawingml/2006/diagram" xmlns:a="http://schemas.openxmlformats.org/drawingml/2006/main" uniqueId="urn:microsoft.com/office/officeart/2005/8/colors/colorful2">
+  <dgm:title val=""/>
+  <dgm:desc val=""/>
+  <dgm:catLst>
+    <dgm:cat type="colorful" pri="10200"/>
+  </dgm:catLst>
+  <dgm:styleLbl name="node0">
+    <dgm:fillClrLst meth="repeat">
+      <a:schemeClr val="accent1"/>
+    </dgm:fillClrLst>
+    <dgm:linClrLst meth="repeat">
+      <a:schemeClr val="lt1"/>
+    </dgm:linClrLst>
+    <dgm:effectClrLst/>
+    <dgm:txLinClrLst/>
+    <dgm:txFillClrLst/>
+    <dgm:txEffectClrLst/>
+  </dgm:styleLbl>
+  <dgm:styleLbl name="node1">
+    <dgm:fillClrLst>
+      <a:schemeClr val="accent2"/>
+      <a:schemeClr val="accent3"/>
+    </dgm:fillClrLst>
+    <dgm:linClrLst meth="repeat">
+      <a:schemeClr val="lt1"/>
+    </dgm:linClrLst>
+    <dgm:effectClrLst/>
+    <dgm:txLinClrLst/>
+    <dgm:txFillClrLst/>
+    <dgm:txEffectClrLst/>
+  </dgm:styleLbl>
+  <dgm:styleLbl name="alignNode1">
+    <dgm:fillClrLst>
+      <a:schemeClr val="accent2"/>
+      <a:schemeClr val="accent3"/>
+    </dgm:fillClrLst>
+    <dgm:linClrLst>
+      <a:schemeClr val="accent2"/>
+      <a:schemeClr val="accent3"/>
+    </dgm:linClrLst>
+    <dgm:effectClrLst/>
+    <dgm:txLinClrLst/>
+    <dgm:txFillClrLst/>
+    <dgm:txEffectClrLst/>
+  </dgm:styleLbl>
+  <dgm:styleLbl name="lnNode1">
+    <dgm:fillClrLst>
+      <a:schemeClr val="accent2"/>
+      <a:schemeClr val="accent3"/>
+    </dgm:fillClrLst>
+    <dgm:linClrLst meth="repeat">
+      <a:schemeClr val="lt1"/>
+    </dgm:linClrLst>
+    <dgm:effectClrLst/>
+    <dgm:txLinClrLst/>
+    <dgm:txFillClrLst/>
+    <dgm:txEffectClrLst/>
+  </dgm:styleLbl>
+  <dgm:styleLbl name="vennNode1">
+    <dgm:fillClrLst>
+      <a:schemeClr val="accent2">
+        <a:alpha val="50000"/>
+      </a:schemeClr>
+      <a:schemeClr val="accent3">
+        <a:alpha val="50000"/>
+      </a:schemeClr>
+    </dgm:fillClrLst>
+    <dgm:linClrLst meth="repeat">
+      <a:schemeClr val="lt1"/>
+    </dgm:linClrLst>
+    <dgm:effectClrLst/>
+    <dgm:txLinClrLst/>
+    <dgm:txFillClrLst/>
+    <dgm:txEffectClrLst/>
+  </dgm:styleLbl>
+  <dgm:styleLbl name="node2">
+    <dgm:fillClrLst>
+      <a:schemeClr val="accent3"/>
+    </dgm:fillClrLst>
+    <dgm:linClrLst meth="repeat">
+      <a:schemeClr val="lt1"/>
+    </dgm:linClrLst>
+    <dgm:effectClrLst/>
+    <dgm:txLinClrLst/>
+    <dgm:txFillClrLst/>
+    <dgm:txEffectClrLst/>
+  </dgm:styleLbl>
+  <dgm:styleLbl name="node3">
+    <dgm:fillClrLst>
+      <a:schemeClr val="accent4"/>
+    </dgm:fillClrLst>
+    <dgm:linClrLst meth="repeat">
+      <a:schemeClr val="lt1"/>
+    </dgm:linClrLst>
+    <dgm:effectClrLst/>
+    <dgm:txLinClrLst/>
+    <dgm:txFillClrLst/>
+    <dgm:txEffectClrLst/>
+  </dgm:styleLbl>
+  <dgm:styleLbl name="node4">
+    <dgm:fillClrLst>
+      <a:schemeClr val="accent5"/>
+    </dgm:fillClrLst>
+    <dgm:linClrLst meth="repeat">
+      <a:schemeClr val="lt1"/>
+    </dgm:linClrLst>
+    <dgm:effectClrLst/>
+    <dgm:txLinClrLst/>
+    <dgm:txFillClrLst/>
+    <dgm:txEffectClrLst/>
+  </dgm:styleLbl>
+  <dgm:styleLbl name="fgImgPlace1">
+    <dgm:fillClrLst>
+      <a:schemeClr val="accent2">
+        <a:tint val="50000"/>
+      </a:schemeClr>
+      <a:schemeClr val="accent3">
+        <a:tint val="50000"/>
+      </a:schemeClr>
+    </dgm:fillClrLst>
+    <dgm:linClrLst meth="repeat">
+      <a:schemeClr val="lt1"/>
+    </dgm:linClrLst>
+    <dgm:effectClrLst/>
+    <dgm:txLinClrLst/>
+    <dgm:txFillClrLst meth="repeat">
+      <a:schemeClr val="lt1"/>
+    </dgm:txFillClrLst>
+    <dgm:txEffectClrLst/>
+  </dgm:styleLbl>
+  <dgm:styleLbl name="alignImgPlace1">
+    <dgm:fillClrLst>
+      <a:schemeClr val="accent2">
+        <a:tint val="50000"/>
+      </a:schemeClr>
+      <a:schemeClr val="accent3">
+        <a:tint val="20000"/>
+      </a:schemeClr>
+    </dgm:fillClrLst>
+    <dgm:linClrLst meth="repeat">
+      <a:schemeClr val="lt1"/>
+    </dgm:linClrLst>
+    <dgm:effectClrLst/>
+    <dgm:txLinClrLst/>
+    <dgm:txFillClrLst meth="repeat">
+      <a:schemeClr val="lt1"/>
+    </dgm:txFillClrLst>
+    <dgm:txEffectClrLst/>
+  </dgm:styleLbl>
+  <dgm:styleLbl name="bgImgPlace1">
+    <dgm:fillClrLst>
+      <a:schemeClr val="accent2">
+        <a:tint val="50000"/>
+      </a:schemeClr>
+      <a:schemeClr val="accent3">
+        <a:tint val="20000"/>
+      </a:schemeClr>
+    </dgm:fillClrLst>
+    <dgm:linClrLst meth="repeat">
+      <a:schemeClr val="lt1"/>
+    </dgm:linClrLst>
+    <dgm:effectClrLst/>
+    <dgm:txLinClrLst/>
+    <dgm:txFillClrLst meth="repeat">
+      <a:schemeClr val="lt1"/>
+    </dgm:txFillClrLst>
+    <dgm:txEffectClrLst/>
+  </dgm:styleLbl>
+  <dgm:styleLbl name="sibTrans2D1">
+    <dgm:fillClrLst>
+      <a:schemeClr val="accent2"/>
+      <a:schemeClr val="accent3"/>
+    </dgm:fillClrLst>
+    <dgm:linClrLst meth="repeat">
+      <a:schemeClr val="lt1"/>
+    </dgm:linClrLst>
+    <dgm:effectClrLst/>
+    <dgm:txLinClrLst/>
+    <dgm:txFillClrLst/>
+    <dgm:txEffectClrLst/>
+  </dgm:styleLbl>
+  <dgm:styleLbl name="fgSibTrans2D1">
+    <dgm:fillClrLst>
+      <a:schemeClr val="accent2"/>
+      <a:schemeClr val="accent3"/>
+    </dgm:fillClrLst>
+    <dgm:linClrLst meth="repeat">
+      <a:schemeClr val="lt1"/>
+    </dgm:linClrLst>
+    <dgm:effectClrLst/>
+    <dgm:txLinClrLst/>
+    <dgm:txFillClrLst meth="repeat">
+      <a:schemeClr val="lt1"/>
+    </dgm:txFillClrLst>
+    <dgm:txEffectClrLst/>
+  </dgm:styleLbl>
+  <dgm:styleLbl name="bgSibTrans2D1">
+    <dgm:fillClrLst>
+      <a:schemeClr val="accent2"/>
+      <a:schemeClr val="accent3"/>
+    </dgm:fillClrLst>
+    <dgm:linClrLst meth="repeat">
+      <a:schemeClr val="lt1"/>
+    </dgm:linClrLst>
+    <dgm:effectClrLst/>
+    <dgm:txLinClrLst/>
+    <dgm:txFillClrLst meth="repeat">
+      <a:schemeClr val="lt1"/>
+    </dgm:txFillClrLst>
+    <dgm:txEffectClrLst/>
+  </dgm:styleLbl>
+  <dgm:styleLbl name="sibTrans1D1">
+    <dgm:fillClrLst/>
+    <dgm:linClrLst>
+      <a:schemeClr val="accent2"/>
+      <a:schemeClr val="accent3"/>
+    </dgm:linClrLst>
+    <dgm:effectClrLst/>
+    <dgm:txLinClrLst/>
+    <dgm:txFillClrLst meth="repeat">
+      <a:schemeClr val="tx1"/>
+    </dgm:txFillClrLst>
+    <dgm:txEffectClrLst/>
+  </dgm:styleLbl>
+  <dgm:styleLbl name="callout">
+    <dgm:fillClrLst meth="repeat">
+      <a:schemeClr val="accent2"/>
+    </dgm:fillClrLst>
+    <dgm:linClrLst meth="repeat">
+      <a:schemeClr val="accent2">
+        <a:tint val="50000"/>
+      </a:schemeClr>
+    </dgm:linClrLst>
+    <dgm:effectClrLst/>
+    <dgm:txLinClrLst/>
+    <dgm:txFillClrLst meth="repeat">
+      <a:schemeClr val="tx1"/>
+    </dgm:txFillClrLst>
+    <dgm:txEffectClrLst/>
+  </dgm:styleLbl>
+  <dgm:styleLbl name="asst0">
+    <dgm:fillClrLst meth="repeat">
+      <a:schemeClr val="accent2"/>
+    </dgm:fillClrLst>
+    <dgm:linClrLst meth="repeat">
+      <a:schemeClr val="lt1">
+        <a:shade val="80000"/>
+      </a:schemeClr>
+    </dgm:linClrLst>
+    <dgm:effectClrLst/>
+    <dgm:txLinClrLst/>
+    <dgm:txFillClrLst/>
+    <dgm:txEffectClrLst/>
+  </dgm:styleLbl>
+  <dgm:styleLbl name="asst1">
+    <dgm:fillClrLst meth="repeat">
+      <a:schemeClr val="accent3"/>
+    </dgm:fillClrLst>
+    <dgm:linClrLst meth="repeat">
+      <a:schemeClr val="lt1">
+        <a:shade val="80000"/>
+      </a:schemeClr>
+    </dgm:linClrLst>
+    <dgm:effectClrLst/>
+    <dgm:txLinClrLst/>
+    <dgm:txFillClrLst/>
+    <dgm:txEffectClrLst/>
+  </dgm:styleLbl>
+  <dgm:styleLbl name="asst2">
+    <dgm:fillClrLst>
+      <a:schemeClr val="accent4"/>
+    </dgm:fillClrLst>
+    <dgm:linClrLst meth="repeat">
+      <a:schemeClr val="lt1"/>
+    </dgm:linClrLst>
+    <dgm:effectClrLst/>
+    <dgm:txLinClrLst/>
+    <dgm:txFillClrLst/>
+    <dgm:txEffectClrLst/>
+  </dgm:styleLbl>
+  <dgm:styleLbl name="asst3">
+    <dgm:fillClrLst>
+      <a:schemeClr val="accent5"/>
+    </dgm:fillClrLst>
+    <dgm:linClrLst meth="repeat">
+      <a:schemeClr val="lt1"/>
+    </dgm:linClrLst>
+    <dgm:effectClrLst/>
+    <dgm:txLinClrLst/>
+    <dgm:txFillClrLst/>
+    <dgm:txEffectClrLst/>
+  </dgm:styleLbl>
+  <dgm:styleLbl name="asst4">
+    <dgm:fillClrLst>
+      <a:schemeClr val="accent6"/>
+    </dgm:fillClrLst>
+    <dgm:linClrLst meth="repeat">
+      <a:schemeClr val="lt1"/>
+    </dgm:linClrLst>
+    <dgm:effectClrLst/>
+    <dgm:txLinClrLst/>
+    <dgm:txFillClrLst/>
+    <dgm:txEffectClrLst/>
+  </dgm:styleLbl>
+  <dgm:styleLbl name="parChTrans2D1">
+    <dgm:fillClrLst meth="repeat">
+      <a:schemeClr val="accent2"/>
+    </dgm:fillClrLst>
+    <dgm:linClrLst meth="repeat">
+      <a:schemeClr val="lt1"/>
+    </dgm:linClrLst>
+    <dgm:effectClrLst/>
+    <dgm:txLinClrLst/>
+    <dgm:txFillClrLst meth="repeat">
+      <a:schemeClr val="lt1"/>
+    </dgm:txFillClrLst>
+    <dgm:txEffectClrLst/>
+  </dgm:styleLbl>
+  <dgm:styleLbl name="parChTrans2D2">
+    <dgm:fillClrLst meth="repeat">
+      <a:schemeClr val="accent3"/>
+    </dgm:fillClrLst>
+    <dgm:linClrLst meth="repeat">
+      <a:schemeClr val="lt1"/>
+    </dgm:linClrLst>
+    <dgm:effectClrLst/>
+    <dgm:txLinClrLst/>
+    <dgm:txFillClrLst/>
+    <dgm:txEffectClrLst/>
+  </dgm:styleLbl>
+  <dgm:styleLbl name="parChTrans2D3">
+    <dgm:fillClrLst meth="repeat">
+      <a:schemeClr val="accent4"/>
+    </dgm:fillClrLst>
+    <dgm:linClrLst meth="repeat">
+      <a:schemeClr val="lt1"/>
+    </dgm:linClrLst>
+    <dgm:effectClrLst/>
+    <dgm:txLinClrLst/>
+    <dgm:txFillClrLst/>
+    <dgm:txEffectClrLst/>
+  </dgm:styleLbl>
+  <dgm:styleLbl name="parChTrans2D4">
+    <dgm:fillClrLst meth="repeat">
+      <a:schemeClr val="accent5"/>
+    </dgm:fillClrLst>
+    <dgm:linClrLst meth="repeat">
+      <a:schemeClr val="lt1"/>
+    </dgm:linClrLst>
+    <dgm:effectClrLst/>
+    <dgm:txLinClrLst/>
+    <dgm:txFillClrLst meth="repeat">
+      <a:schemeClr val="lt1"/>
+    </dgm:txFillClrLst>
+    <dgm:txEffectClrLst/>
+  </dgm:styleLbl>
+  <dgm:styleLbl name="parChTrans1D1">
+    <dgm:fillClrLst meth="repeat">
+      <a:schemeClr val="accent2"/>
+    </dgm:fillClrLst>
+    <dgm:linClrLst meth="repeat">
+      <a:schemeClr val="accent2"/>
+    </dgm:linClrLst>
+    <dgm:effectClrLst/>
+    <dgm:txLinClrLst/>
+    <dgm:txFillClrLst meth="repeat">
+      <a:schemeClr val="tx1"/>
+    </dgm:txFillClrLst>
+    <dgm:txEffectClrLst/>
+  </dgm:styleLbl>
+  <dgm:styleLbl name="parChTrans1D2">
+    <dgm:fillClrLst meth="repeat">
+      <a:schemeClr val="accent2">
+        <a:tint val="90000"/>
+      </a:schemeClr>
+    </dgm:fillClrLst>
+    <dgm:linClrLst meth="repeat">
+      <a:schemeClr val="accent3"/>
+    </dgm:linClrLst>
+    <dgm:effectClrLst/>
+    <dgm:txLinClrLst/>
+    <dgm:txFillClrLst meth="repeat">
+      <a:schemeClr val="tx1"/>
+    </dgm:txFillClrLst>
+    <dgm:txEffectClrLst/>
+  </dgm:styleLbl>
+  <dgm:styleLbl name="parChTrans1D3">
+    <dgm:fillClrLst meth="repeat">
+      <a:schemeClr val="accent2">
+        <a:tint val="70000"/>
+      </a:schemeClr>
+    </dgm:fillClrLst>
+    <dgm:linClrLst meth="repeat">
+      <a:schemeClr val="accent4"/>
+    </dgm:linClrLst>
+    <dgm:effectClrLst/>
+    <dgm:txLinClrLst/>
+    <dgm:txFillClrLst meth="repeat">
+      <a:schemeClr val="tx1"/>
+    </dgm:txFillClrLst>
+    <dgm:txEffectClrLst/>
+  </dgm:styleLbl>
+  <dgm:styleLbl name="parChTrans1D4">
+    <dgm:fillClrLst meth="repeat">
+      <a:schemeClr val="accent2">
+        <a:tint val="50000"/>
+      </a:schemeClr>
+    </dgm:fillClrLst>
+    <dgm:linClrLst meth="repeat">
+      <a:schemeClr val="accent5"/>
+    </dgm:linClrLst>
+    <dgm:effectClrLst/>
+    <dgm:txLinClrLst/>
+    <dgm:txFillClrLst meth="repeat">
+      <a:schemeClr val="tx1"/>
+    </dgm:txFillClrLst>
+    <dgm:txEffectClrLst/>
+  </dgm:styleLbl>
+  <dgm:styleLbl name="fgAcc1">
+    <dgm:fillClrLst meth="repeat">
+      <a:schemeClr val="lt1">
+        <a:alpha val="90000"/>
+      </a:schemeClr>
+    </dgm:fillClrLst>
+    <dgm:linClrLst>
+      <a:schemeClr val="accent2"/>
+      <a:schemeClr val="accent3"/>
+    </dgm:linClrLst>
+    <dgm:effectClrLst/>
+    <dgm:txLinClrLst/>
+    <dgm:txFillClrLst meth="repeat">
+      <a:schemeClr val="dk1"/>
+    </dgm:txFillClrLst>
+    <dgm:txEffectClrLst/>
+  </dgm:styleLbl>
+  <dgm:styleLbl name="conFgAcc1">
+    <dgm:fillClrLst meth="repeat">
+      <a:schemeClr val="lt1">
+        <a:alpha val="90000"/>
+      </a:schemeClr>
+    </dgm:fillClrLst>
+    <dgm:linClrLst>
+      <a:schemeClr val="accent2"/>
+      <a:schemeClr val="accent3"/>
+    </dgm:linClrLst>
+    <dgm:effectClrLst/>
+    <dgm:txLinClrLst/>
+    <dgm:txFillClrLst meth="repeat">
+      <a:schemeClr val="dk1"/>
+    </dgm:txFillClrLst>
+    <dgm:txEffectClrLst/>
+  </dgm:styleLbl>
+  <dgm:styleLbl name="alignAcc1">
+    <dgm:fillClrLst meth="repeat">
+      <a:schemeClr val="lt1">
+        <a:alpha val="90000"/>
+      </a:schemeClr>
+    </dgm:fillClrLst>
+    <dgm:linClrLst>
+      <a:schemeClr val="accent2"/>
+      <a:schemeClr val="accent3"/>
+    </dgm:linClrLst>
+    <dgm:effectClrLst/>
+    <dgm:txLinClrLst/>
+    <dgm:txFillClrLst meth="repeat">
+      <a:schemeClr val="dk1"/>
+    </dgm:txFillClrLst>
+    <dgm:txEffectClrLst/>
+  </dgm:styleLbl>
+  <dgm:styleLbl name="trAlignAcc1">
+    <dgm:fillClrLst meth="repeat">
+      <a:schemeClr val="lt1">
+        <a:alpha val="40000"/>
+      </a:schemeClr>
+    </dgm:fillClrLst>
+    <dgm:linClrLst meth="repeat">
+      <a:schemeClr val="accent2"/>
+    </dgm:linClrLst>
+    <dgm:effectClrLst/>
+    <dgm:txLinClrLst/>
+    <dgm:txFillClrLst meth="repeat">
+      <a:schemeClr val="dk1"/>
+    </dgm:txFillClrLst>
+    <dgm:txEffectClrLst/>
+  </dgm:styleLbl>
+  <dgm:styleLbl name="bgAcc1">
+    <dgm:fillClrLst meth="repeat">
+      <a:schemeClr val="lt1">
+        <a:alpha val="90000"/>
+      </a:schemeClr>
+    </dgm:fillClrLst>
+    <dgm:linClrLst>
+      <a:schemeClr val="accent2"/>
+      <a:schemeClr val="accent3"/>
+    </dgm:linClrLst>
+    <dgm:effectClrLst/>
+    <dgm:txLinClrLst/>
+    <dgm:txFillClrLst meth="repeat">
+      <a:schemeClr val="dk1"/>
+    </dgm:txFillClrLst>
+    <dgm:txEffectClrLst/>
+  </dgm:styleLbl>
+  <dgm:styleLbl name="solidFgAcc1">
+    <dgm:fillClrLst meth="repeat">
+      <a:schemeClr val="lt1"/>
+    </dgm:fillClrLst>
+    <dgm:linClrLst>
+      <a:schemeClr val="accent2"/>
+      <a:schemeClr val="accent3"/>
+    </dgm:linClrLst>
+    <dgm:effectClrLst/>
+    <dgm:txLinClrLst/>
+    <dgm:txFillClrLst meth="repeat">
+      <a:schemeClr val="dk1"/>
+    </dgm:txFillClrLst>
+    <dgm:txEffectClrLst/>
+  </dgm:styleLbl>
+  <dgm:styleLbl name="solidAlignAcc1">
+    <dgm:fillClrLst meth="repeat">
+      <a:schemeClr val="lt1"/>
+    </dgm:fillClrLst>
+    <dgm:linClrLst>
+      <a:schemeClr val="accent2"/>
+      <a:schemeClr val="accent3"/>
+    </dgm:linClrLst>
+    <dgm:effectClrLst/>
+    <dgm:txLinClrLst/>
+    <dgm:txFillClrLst meth="repeat">
+      <a:schemeClr val="dk1"/>
+    </dgm:txFillClrLst>
+    <dgm:txEffectClrLst/>
+  </dgm:styleLbl>
+  <dgm:styleLbl name="solidBgAcc1">
+    <dgm:fillClrLst meth="repeat">
+      <a:schemeClr val="lt1"/>
+    </dgm:fillClrLst>
+    <dgm:linClrLst>
+      <a:schemeClr val="accent2"/>
+      <a:schemeClr val="accent3"/>
+    </dgm:linClrLst>
+    <dgm:effectClrLst/>
+    <dgm:txLinClrLst/>
+    <dgm:txFillClrLst meth="repeat">
+      <a:schemeClr val="dk1"/>
+    </dgm:txFillClrLst>
+    <dgm:txEffectClrLst/>
+  </dgm:styleLbl>
+  <dgm:styleLbl name="fgAccFollowNode1">
+    <dgm:fillClrLst>
+      <a:schemeClr val="accent2">
+        <a:tint val="40000"/>
+        <a:alpha val="90000"/>
+      </a:schemeClr>
+      <a:schemeClr val="accent3">
+        <a:tint val="40000"/>
+        <a:alpha val="90000"/>
+      </a:schemeClr>
+    </dgm:fillClrLst>
+    <dgm:linClrLst>
+      <a:schemeClr val="accent2">
+        <a:tint val="40000"/>
+        <a:alpha val="90000"/>
+      </a:schemeClr>
+      <a:schemeClr val="accent3">
+        <a:tint val="40000"/>
+        <a:alpha val="90000"/>
+      </a:schemeClr>
+    </dgm:linClrLst>
+    <dgm:effectClrLst/>
+    <dgm:txLinClrLst/>
+    <dgm:txFillClrLst meth="repeat">
+      <a:schemeClr val="dk1"/>
+    </dgm:txFillClrLst>
+    <dgm:txEffectClrLst/>
+  </dgm:styleLbl>
+  <dgm:styleLbl name="alignAccFollowNode1">
+    <dgm:fillClrLst>
+      <a:schemeClr val="accent2">
+        <a:tint val="40000"/>
+        <a:alpha val="90000"/>
+      </a:schemeClr>
+      <a:schemeClr val="accent3">
+        <a:tint val="40000"/>
+        <a:alpha val="90000"/>
+      </a:schemeClr>
+    </dgm:fillClrLst>
+    <dgm:linClrLst>
+      <a:schemeClr val="accent2">
+        <a:tint val="40000"/>
+        <a:alpha val="90000"/>
+      </a:schemeClr>
+      <a:schemeClr val="accent3">
+        <a:tint val="40000"/>
+        <a:alpha val="90000"/>
+      </a:schemeClr>
+    </dgm:linClrLst>
+    <dgm:effectClrLst/>
+    <dgm:txLinClrLst/>
+    <dgm:txFillClrLst meth="repeat">
+      <a:schemeClr val="dk1"/>
+    </dgm:txFillClrLst>
+    <dgm:txEffectClrLst/>
+  </dgm:styleLbl>
+  <dgm:styleLbl name="bgAccFollowNode1">
+    <dgm:fillClrLst>
+      <a:schemeClr val="accent2">
+        <a:tint val="40000"/>
+        <a:alpha val="90000"/>
+      </a:schemeClr>
+      <a:schemeClr val="accent3">
+        <a:tint val="40000"/>
+        <a:alpha val="90000"/>
+      </a:schemeClr>
+    </dgm:fillClrLst>
+    <dgm:linClrLst>
+      <a:schemeClr val="accent2">
+        <a:tint val="40000"/>
+        <a:alpha val="90000"/>
+      </a:schemeClr>
+      <a:schemeClr val="accent3">
+        <a:tint val="40000"/>
+        <a:alpha val="90000"/>
+      </a:schemeClr>
+    </dgm:linClrLst>
+    <dgm:effectClrLst/>
+    <dgm:txLinClrLst/>
+    <dgm:txFillClrLst meth="repeat">
+      <a:schemeClr val="dk1"/>
+    </dgm:txFillClrLst>
+    <dgm:txEffectClrLst/>
+  </dgm:styleLbl>
+  <dgm:styleLbl name="fgAcc0">
+    <dgm:fillClrLst meth="repeat">
+      <a:schemeClr val="lt1">
+        <a:alpha val="90000"/>
+      </a:schemeClr>
+    </dgm:fillClrLst>
+    <dgm:linClrLst>
+      <a:schemeClr val="accent1"/>
+    </dgm:linClrLst>
+    <dgm:effectClrLst/>
+    <dgm:txLinClrLst/>
+    <dgm:txFillClrLst meth="repeat">
+      <a:schemeClr val="dk1"/>
+    </dgm:txFillClrLst>
+    <dgm:txEffectClrLst/>
+  </dgm:styleLbl>
+  <dgm:styleLbl name="fgAcc2">
+    <dgm:fillClrLst meth="repeat">
+      <a:schemeClr val="lt1">
+        <a:alpha val="90000"/>
+      </a:schemeClr>
+    </dgm:fillClrLst>
+    <dgm:linClrLst>
+      <a:schemeClr val="accent3"/>
+    </dgm:linClrLst>
+    <dgm:effectClrLst/>
+    <dgm:txLinClrLst/>
+    <dgm:txFillClrLst meth="repeat">
+      <a:schemeClr val="dk1"/>
+    </dgm:txFillClrLst>
+    <dgm:txEffectClrLst/>
+  </dgm:styleLbl>
+  <dgm:styleLbl name="fgAcc3">
+    <dgm:fillClrLst meth="repeat">
+      <a:schemeClr val="lt1">
+        <a:alpha val="90000"/>
+      </a:schemeClr>
+    </dgm:fillClrLst>
+    <dgm:linClrLst>
+      <a:schemeClr val="accent4"/>
+    </dgm:linClrLst>
+    <dgm:effectClrLst/>
+    <dgm:txLinClrLst/>
+    <dgm:txFillClrLst meth="repeat">
+      <a:schemeClr val="dk1"/>
+    </dgm:txFillClrLst>
+    <dgm:txEffectClrLst/>
+  </dgm:styleLbl>
+  <dgm:styleLbl name="fgAcc4">
+    <dgm:fillClrLst meth="repeat">
+      <a:schemeClr val="lt1">
+        <a:alpha val="90000"/>
+      </a:schemeClr>
+    </dgm:fillClrLst>
+    <dgm:linClrLst>
+      <a:schemeClr val="accent5"/>
+    </dgm:linClrLst>
+    <dgm:effectClrLst/>
+    <dgm:txLinClrLst/>
+    <dgm:txFillClrLst meth="repeat">
+      <a:schemeClr val="dk1"/>
+    </dgm:txFillClrLst>
+    <dgm:txEffectClrLst/>
+  </dgm:styleLbl>
+  <dgm:styleLbl name="bgShp">
+    <dgm:fillClrLst meth="repeat">
+      <a:schemeClr val="accent2">
+        <a:tint val="40000"/>
+      </a:schemeClr>
+    </dgm:fillClrLst>
+    <dgm:linClrLst meth="repeat">
+      <a:schemeClr val="dk1"/>
+    </dgm:linClrLst>
+    <dgm:effectClrLst/>
+    <dgm:txLinClrLst/>
+    <dgm:txFillClrLst meth="repeat">
+      <a:schemeClr val="dk1"/>
+    </dgm:txFillClrLst>
+    <dgm:txEffectClrLst/>
+  </dgm:styleLbl>
+  <dgm:styleLbl name="dkBgShp">
+    <dgm:fillClrLst meth="repeat">
+      <a:schemeClr val="accent2">
+        <a:shade val="90000"/>
+      </a:schemeClr>
+    </dgm:fillClrLst>
+    <dgm:linClrLst meth="repeat">
+      <a:schemeClr val="dk1"/>
+    </dgm:linClrLst>
+    <dgm:effectClrLst/>
+    <dgm:txLinClrLst/>
+    <dgm:txFillClrLst meth="repeat">
+      <a:schemeClr val="lt1"/>
+    </dgm:txFillClrLst>
+    <dgm:txEffectClrLst/>
+  </dgm:styleLbl>
+  <dgm:styleLbl name="trBgShp">
+    <dgm:fillClrLst meth="repeat">
+      <a:schemeClr val="accent2">
+        <a:tint val="50000"/>
+        <a:alpha val="40000"/>
+      </a:schemeClr>
+    </dgm:fillClrLst>
+    <dgm:linClrLst meth="repeat">
+      <a:schemeClr val="accent2"/>
+    </dgm:linClrLst>
+    <dgm:effectClrLst/>
+    <dgm:txLinClrLst/>
+    <dgm:txFillClrLst meth="repeat">
+      <a:schemeClr val="lt1"/>
+    </dgm:txFillClrLst>
+    <dgm:txEffectClrLst/>
+  </dgm:styleLbl>
+  <dgm:styleLbl name="fgShp">
+    <dgm:fillClrLst meth="repeat">
+      <a:schemeClr val="accent2">
+        <a:tint val="40000"/>
+      </a:schemeClr>
+    </dgm:fillClrLst>
+    <dgm:linClrLst meth="repeat">
+      <a:schemeClr val="lt1"/>
+    </dgm:linClrLst>
+    <dgm:effectClrLst/>
+    <dgm:txLinClrLst/>
+    <dgm:txFillClrLst meth="repeat">
+      <a:schemeClr val="dk1"/>
+    </dgm:txFillClrLst>
+    <dgm:txEffectClrLst/>
+  </dgm:styleLbl>
+  <dgm:styleLbl name="revTx">
+    <dgm:fillClrLst meth="repeat">
+      <a:schemeClr val="lt1">
+        <a:alpha val="0"/>
+      </a:schemeClr>
+    </dgm:fillClrLst>
+    <dgm:linClrLst meth="repeat">
+      <a:schemeClr val="dk1">
+        <a:alpha val="0"/>
+      </a:schemeClr>
+    </dgm:linClrLst>
+    <dgm:effectClrLst/>
+    <dgm:txLinClrLst/>
+    <dgm:txFillClrLst meth="repeat">
+      <a:schemeClr val="tx1"/>
+    </dgm:txFillClrLst>
+    <dgm:txEffectClrLst/>
+  </dgm:styleLbl>
+</dgm:colorsDef>
+</file>
+
+<file path=ppt/diagrams/data1.xml><?xml version="1.0" encoding="utf-8"?>
+<dgm:dataModel xmlns:dgm="http://schemas.openxmlformats.org/drawingml/2006/diagram" xmlns:a="http://schemas.openxmlformats.org/drawingml/2006/main">
+  <dgm:ptLst>
+    <dgm:pt modelId="{2951B17E-D546-4B06-A706-432E2F712A3C}" type="doc">
+      <dgm:prSet loTypeId="urn:microsoft.com/office/officeart/2005/8/layout/vList2" loCatId="list" qsTypeId="urn:microsoft.com/office/officeart/2005/8/quickstyle/simple4" qsCatId="simple" csTypeId="urn:microsoft.com/office/officeart/2005/8/colors/colorful2" csCatId="colorful"/>
+      <dgm:spPr/>
+      <dgm:t>
+        <a:bodyPr/>
+        <a:lstStyle/>
+        <a:p>
+          <a:endParaRPr lang="en-US"/>
+        </a:p>
+      </dgm:t>
+    </dgm:pt>
+    <dgm:pt modelId="{5475A70A-8272-49F2-B3E3-48979CF76B5A}">
+      <dgm:prSet/>
+      <dgm:spPr/>
+      <dgm:t>
+        <a:bodyPr/>
+        <a:lstStyle/>
+        <a:p>
+          <a:r>
+            <a:rPr lang="en-US"/>
+            <a:t>Message</a:t>
+          </a:r>
+        </a:p>
+      </dgm:t>
+    </dgm:pt>
+    <dgm:pt modelId="{8A439536-F446-422B-B7EA-350E51C4CF62}" type="parTrans" cxnId="{8916F7E1-E9EC-48E2-98F1-2065EDBD471F}">
+      <dgm:prSet/>
+      <dgm:spPr/>
+      <dgm:t>
+        <a:bodyPr/>
+        <a:lstStyle/>
+        <a:p>
+          <a:endParaRPr lang="en-US"/>
+        </a:p>
+      </dgm:t>
+    </dgm:pt>
+    <dgm:pt modelId="{F5AC91FF-7753-4C18-99B1-10D75B3A8FCB}" type="sibTrans" cxnId="{8916F7E1-E9EC-48E2-98F1-2065EDBD471F}">
+      <dgm:prSet/>
+      <dgm:spPr/>
+      <dgm:t>
+        <a:bodyPr/>
+        <a:lstStyle/>
+        <a:p>
+          <a:endParaRPr lang="en-US"/>
+        </a:p>
+      </dgm:t>
+    </dgm:pt>
+    <dgm:pt modelId="{60C54AB6-215C-45D3-828C-091B924DCEF5}">
+      <dgm:prSet/>
+      <dgm:spPr/>
+      <dgm:t>
+        <a:bodyPr/>
+        <a:lstStyle/>
+        <a:p>
+          <a:r>
+            <a:rPr lang="en-US"/>
+            <a:t>OS</a:t>
+          </a:r>
+          <a:r>
+            <a:rPr lang="ko-KR"/>
+            <a:t>와 </a:t>
+          </a:r>
+          <a:r>
+            <a:rPr lang="en-US"/>
+            <a:t>app</a:t>
+          </a:r>
+          <a:r>
+            <a:rPr lang="ko-KR"/>
+            <a:t>이 주고 받는 통신 단위</a:t>
+          </a:r>
+          <a:endParaRPr lang="en-US"/>
+        </a:p>
+      </dgm:t>
+    </dgm:pt>
+    <dgm:pt modelId="{5B3A51C9-CAB0-4091-ADBD-9BA66005707F}" type="parTrans" cxnId="{9642ADDE-D4B3-4C2E-84E9-B4F112EB5297}">
+      <dgm:prSet/>
+      <dgm:spPr/>
+      <dgm:t>
+        <a:bodyPr/>
+        <a:lstStyle/>
+        <a:p>
+          <a:endParaRPr lang="en-US"/>
+        </a:p>
+      </dgm:t>
+    </dgm:pt>
+    <dgm:pt modelId="{7E9B4010-BD45-4089-90D0-AE05EE0FA5B8}" type="sibTrans" cxnId="{9642ADDE-D4B3-4C2E-84E9-B4F112EB5297}">
+      <dgm:prSet/>
+      <dgm:spPr/>
+      <dgm:t>
+        <a:bodyPr/>
+        <a:lstStyle/>
+        <a:p>
+          <a:endParaRPr lang="en-US"/>
+        </a:p>
+      </dgm:t>
+    </dgm:pt>
+    <dgm:pt modelId="{495D6044-5023-4A47-AF20-FB5C1479D350}">
+      <dgm:prSet/>
+      <dgm:spPr/>
+      <dgm:t>
+        <a:bodyPr/>
+        <a:lstStyle/>
+        <a:p>
+          <a:r>
+            <a:rPr lang="en-US"/>
+            <a:t>Command</a:t>
+          </a:r>
+        </a:p>
+      </dgm:t>
+    </dgm:pt>
+    <dgm:pt modelId="{D529828F-FCED-41C1-B7BF-303B3FAA0A92}" type="parTrans" cxnId="{3F92C64B-CA91-4BE0-995D-3FC296CFD690}">
+      <dgm:prSet/>
+      <dgm:spPr/>
+      <dgm:t>
+        <a:bodyPr/>
+        <a:lstStyle/>
+        <a:p>
+          <a:endParaRPr lang="en-US"/>
+        </a:p>
+      </dgm:t>
+    </dgm:pt>
+    <dgm:pt modelId="{901A8CA0-105E-49DD-B9CD-4551F57EC99F}" type="sibTrans" cxnId="{3F92C64B-CA91-4BE0-995D-3FC296CFD690}">
+      <dgm:prSet/>
+      <dgm:spPr/>
+      <dgm:t>
+        <a:bodyPr/>
+        <a:lstStyle/>
+        <a:p>
+          <a:endParaRPr lang="en-US"/>
+        </a:p>
+      </dgm:t>
+    </dgm:pt>
+    <dgm:pt modelId="{93687609-6016-4847-AF75-AF3CABF05A2F}">
+      <dgm:prSet/>
+      <dgm:spPr/>
+      <dgm:t>
+        <a:bodyPr/>
+        <a:lstStyle/>
+        <a:p>
+          <a:r>
+            <a:rPr lang="en-US"/>
+            <a:t>Message</a:t>
+          </a:r>
+          <a:r>
+            <a:rPr lang="ko-KR"/>
+            <a:t>의 일종</a:t>
+          </a:r>
+          <a:r>
+            <a:rPr lang="en-US"/>
+            <a:t>: UI</a:t>
+          </a:r>
+          <a:r>
+            <a:rPr lang="ko-KR"/>
+            <a:t>와 관련된 사용자 행동을 표현하는 </a:t>
+          </a:r>
+          <a:r>
+            <a:rPr lang="en-US"/>
+            <a:t>message</a:t>
+          </a:r>
+        </a:p>
+      </dgm:t>
+    </dgm:pt>
+    <dgm:pt modelId="{B4D3A7A5-FF26-4DEF-8F4B-35C3E9A98EB8}" type="parTrans" cxnId="{8B974530-DF8D-4E01-BBEA-660EA7477EBF}">
+      <dgm:prSet/>
+      <dgm:spPr/>
+      <dgm:t>
+        <a:bodyPr/>
+        <a:lstStyle/>
+        <a:p>
+          <a:endParaRPr lang="en-US"/>
+        </a:p>
+      </dgm:t>
+    </dgm:pt>
+    <dgm:pt modelId="{AA68D3EF-DF8F-4829-9A4B-6F5A7BB1125E}" type="sibTrans" cxnId="{8B974530-DF8D-4E01-BBEA-660EA7477EBF}">
+      <dgm:prSet/>
+      <dgm:spPr/>
+      <dgm:t>
+        <a:bodyPr/>
+        <a:lstStyle/>
+        <a:p>
+          <a:endParaRPr lang="en-US"/>
+        </a:p>
+      </dgm:t>
+    </dgm:pt>
+    <dgm:pt modelId="{7D0DB7D3-B828-4A0C-A0DD-92697F0C1F86}" type="pres">
+      <dgm:prSet presAssocID="{2951B17E-D546-4B06-A706-432E2F712A3C}" presName="linear" presStyleCnt="0">
+        <dgm:presLayoutVars>
+          <dgm:animLvl val="lvl"/>
+          <dgm:resizeHandles val="exact"/>
+        </dgm:presLayoutVars>
+      </dgm:prSet>
+      <dgm:spPr/>
+    </dgm:pt>
+    <dgm:pt modelId="{63C946B9-9227-4EDE-82E4-E35A66D6DD6A}" type="pres">
+      <dgm:prSet presAssocID="{5475A70A-8272-49F2-B3E3-48979CF76B5A}" presName="parentText" presStyleLbl="node1" presStyleIdx="0" presStyleCnt="2">
+        <dgm:presLayoutVars>
+          <dgm:chMax val="0"/>
+          <dgm:bulletEnabled val="1"/>
+        </dgm:presLayoutVars>
+      </dgm:prSet>
+      <dgm:spPr/>
+    </dgm:pt>
+    <dgm:pt modelId="{60620A87-0519-46B4-8DA6-3BA5CD619C44}" type="pres">
+      <dgm:prSet presAssocID="{5475A70A-8272-49F2-B3E3-48979CF76B5A}" presName="childText" presStyleLbl="revTx" presStyleIdx="0" presStyleCnt="2">
+        <dgm:presLayoutVars>
+          <dgm:bulletEnabled val="1"/>
+        </dgm:presLayoutVars>
+      </dgm:prSet>
+      <dgm:spPr/>
+    </dgm:pt>
+    <dgm:pt modelId="{74FDF4B9-428B-4457-A22E-7E104611D414}" type="pres">
+      <dgm:prSet presAssocID="{495D6044-5023-4A47-AF20-FB5C1479D350}" presName="parentText" presStyleLbl="node1" presStyleIdx="1" presStyleCnt="2">
+        <dgm:presLayoutVars>
+          <dgm:chMax val="0"/>
+          <dgm:bulletEnabled val="1"/>
+        </dgm:presLayoutVars>
+      </dgm:prSet>
+      <dgm:spPr/>
+    </dgm:pt>
+    <dgm:pt modelId="{CC3F4B53-05A4-4143-9580-D503F5E9DEB8}" type="pres">
+      <dgm:prSet presAssocID="{495D6044-5023-4A47-AF20-FB5C1479D350}" presName="childText" presStyleLbl="revTx" presStyleIdx="1" presStyleCnt="2">
+        <dgm:presLayoutVars>
+          <dgm:bulletEnabled val="1"/>
+        </dgm:presLayoutVars>
+      </dgm:prSet>
+      <dgm:spPr/>
+    </dgm:pt>
+  </dgm:ptLst>
+  <dgm:cxnLst>
+    <dgm:cxn modelId="{001CBD04-AED9-4FBA-A5A2-C191D0A13D95}" type="presOf" srcId="{495D6044-5023-4A47-AF20-FB5C1479D350}" destId="{74FDF4B9-428B-4457-A22E-7E104611D414}" srcOrd="0" destOrd="0" presId="urn:microsoft.com/office/officeart/2005/8/layout/vList2"/>
+    <dgm:cxn modelId="{CD689216-3D22-48E6-A67B-22E23767B545}" type="presOf" srcId="{93687609-6016-4847-AF75-AF3CABF05A2F}" destId="{CC3F4B53-05A4-4143-9580-D503F5E9DEB8}" srcOrd="0" destOrd="0" presId="urn:microsoft.com/office/officeart/2005/8/layout/vList2"/>
+    <dgm:cxn modelId="{8B974530-DF8D-4E01-BBEA-660EA7477EBF}" srcId="{495D6044-5023-4A47-AF20-FB5C1479D350}" destId="{93687609-6016-4847-AF75-AF3CABF05A2F}" srcOrd="0" destOrd="0" parTransId="{B4D3A7A5-FF26-4DEF-8F4B-35C3E9A98EB8}" sibTransId="{AA68D3EF-DF8F-4829-9A4B-6F5A7BB1125E}"/>
+    <dgm:cxn modelId="{3F92C64B-CA91-4BE0-995D-3FC296CFD690}" srcId="{2951B17E-D546-4B06-A706-432E2F712A3C}" destId="{495D6044-5023-4A47-AF20-FB5C1479D350}" srcOrd="1" destOrd="0" parTransId="{D529828F-FCED-41C1-B7BF-303B3FAA0A92}" sibTransId="{901A8CA0-105E-49DD-B9CD-4551F57EC99F}"/>
+    <dgm:cxn modelId="{C978BE86-08AD-4938-A7CF-6D1B79DF0A5D}" type="presOf" srcId="{2951B17E-D546-4B06-A706-432E2F712A3C}" destId="{7D0DB7D3-B828-4A0C-A0DD-92697F0C1F86}" srcOrd="0" destOrd="0" presId="urn:microsoft.com/office/officeart/2005/8/layout/vList2"/>
+    <dgm:cxn modelId="{1B0F438E-F23B-4B20-B121-483789896C2A}" type="presOf" srcId="{5475A70A-8272-49F2-B3E3-48979CF76B5A}" destId="{63C946B9-9227-4EDE-82E4-E35A66D6DD6A}" srcOrd="0" destOrd="0" presId="urn:microsoft.com/office/officeart/2005/8/layout/vList2"/>
+    <dgm:cxn modelId="{42531FA6-0F95-43BA-AC8D-083B7D19A3A3}" type="presOf" srcId="{60C54AB6-215C-45D3-828C-091B924DCEF5}" destId="{60620A87-0519-46B4-8DA6-3BA5CD619C44}" srcOrd="0" destOrd="0" presId="urn:microsoft.com/office/officeart/2005/8/layout/vList2"/>
+    <dgm:cxn modelId="{9642ADDE-D4B3-4C2E-84E9-B4F112EB5297}" srcId="{5475A70A-8272-49F2-B3E3-48979CF76B5A}" destId="{60C54AB6-215C-45D3-828C-091B924DCEF5}" srcOrd="0" destOrd="0" parTransId="{5B3A51C9-CAB0-4091-ADBD-9BA66005707F}" sibTransId="{7E9B4010-BD45-4089-90D0-AE05EE0FA5B8}"/>
+    <dgm:cxn modelId="{8916F7E1-E9EC-48E2-98F1-2065EDBD471F}" srcId="{2951B17E-D546-4B06-A706-432E2F712A3C}" destId="{5475A70A-8272-49F2-B3E3-48979CF76B5A}" srcOrd="0" destOrd="0" parTransId="{8A439536-F446-422B-B7EA-350E51C4CF62}" sibTransId="{F5AC91FF-7753-4C18-99B1-10D75B3A8FCB}"/>
+    <dgm:cxn modelId="{71990593-D8B9-4EAB-AC93-DCE3607703D5}" type="presParOf" srcId="{7D0DB7D3-B828-4A0C-A0DD-92697F0C1F86}" destId="{63C946B9-9227-4EDE-82E4-E35A66D6DD6A}" srcOrd="0" destOrd="0" presId="urn:microsoft.com/office/officeart/2005/8/layout/vList2"/>
+    <dgm:cxn modelId="{57E48231-831D-4A10-9F95-E06D6886760C}" type="presParOf" srcId="{7D0DB7D3-B828-4A0C-A0DD-92697F0C1F86}" destId="{60620A87-0519-46B4-8DA6-3BA5CD619C44}" srcOrd="1" destOrd="0" presId="urn:microsoft.com/office/officeart/2005/8/layout/vList2"/>
+    <dgm:cxn modelId="{0E919506-FCBE-407A-9D4B-AB986A1571D0}" type="presParOf" srcId="{7D0DB7D3-B828-4A0C-A0DD-92697F0C1F86}" destId="{74FDF4B9-428B-4457-A22E-7E104611D414}" srcOrd="2" destOrd="0" presId="urn:microsoft.com/office/officeart/2005/8/layout/vList2"/>
+    <dgm:cxn modelId="{A3FBA311-2562-4B9A-B95C-F16F7F6ED0D3}" type="presParOf" srcId="{7D0DB7D3-B828-4A0C-A0DD-92697F0C1F86}" destId="{CC3F4B53-05A4-4143-9580-D503F5E9DEB8}" srcOrd="3" destOrd="0" presId="urn:microsoft.com/office/officeart/2005/8/layout/vList2"/>
+  </dgm:cxnLst>
+  <dgm:bg/>
+  <dgm:whole/>
+  <dgm:extLst>
+    <a:ext uri="http://schemas.microsoft.com/office/drawing/2008/diagram">
+      <dsp:dataModelExt xmlns:dsp="http://schemas.microsoft.com/office/drawing/2008/diagram" relId="rId6" minVer="http://schemas.openxmlformats.org/drawingml/2006/diagram"/>
+    </a:ext>
+  </dgm:extLst>
+</dgm:dataModel>
+</file>
+
+<file path=ppt/diagrams/drawing1.xml><?xml version="1.0" encoding="utf-8"?>
+<dsp:drawing xmlns:dgm="http://schemas.openxmlformats.org/drawingml/2006/diagram" xmlns:dsp="http://schemas.microsoft.com/office/drawing/2008/diagram" xmlns:a="http://schemas.openxmlformats.org/drawingml/2006/main">
+  <dsp:spTree>
+    <dsp:nvGrpSpPr>
+      <dsp:cNvPr id="0" name=""/>
+      <dsp:cNvGrpSpPr/>
+    </dsp:nvGrpSpPr>
+    <dsp:grpSpPr/>
+    <dsp:sp modelId="{63C946B9-9227-4EDE-82E4-E35A66D6DD6A}">
+      <dsp:nvSpPr>
+        <dsp:cNvPr id="0" name=""/>
+        <dsp:cNvSpPr/>
+      </dsp:nvSpPr>
+      <dsp:spPr>
+        <a:xfrm>
+          <a:off x="0" y="120559"/>
+          <a:ext cx="6666833" cy="1240200"/>
+        </a:xfrm>
+        <a:prstGeom prst="roundRect">
+          <a:avLst/>
+        </a:prstGeom>
+        <a:gradFill rotWithShape="0">
+          <a:gsLst>
+            <a:gs pos="0">
+              <a:schemeClr val="accent2">
+                <a:hueOff val="0"/>
+                <a:satOff val="0"/>
+                <a:lumOff val="0"/>
+                <a:alphaOff val="0"/>
+                <a:satMod val="103000"/>
+                <a:lumMod val="102000"/>
+                <a:tint val="94000"/>
+              </a:schemeClr>
+            </a:gs>
+            <a:gs pos="50000">
+              <a:schemeClr val="accent2">
+                <a:hueOff val="0"/>
+                <a:satOff val="0"/>
+                <a:lumOff val="0"/>
+                <a:alphaOff val="0"/>
+                <a:satMod val="110000"/>
+                <a:lumMod val="100000"/>
+                <a:shade val="100000"/>
+              </a:schemeClr>
+            </a:gs>
+            <a:gs pos="100000">
+              <a:schemeClr val="accent2">
+                <a:hueOff val="0"/>
+                <a:satOff val="0"/>
+                <a:lumOff val="0"/>
+                <a:alphaOff val="0"/>
+                <a:lumMod val="99000"/>
+                <a:satMod val="120000"/>
+                <a:shade val="78000"/>
+              </a:schemeClr>
+            </a:gs>
+          </a:gsLst>
+          <a:lin ang="5400000" scaled="0"/>
+        </a:gradFill>
+        <a:ln>
+          <a:noFill/>
+        </a:ln>
+        <a:effectLst/>
+      </dsp:spPr>
+      <dsp:style>
+        <a:lnRef idx="0">
+          <a:scrgbClr r="0" g="0" b="0"/>
+        </a:lnRef>
+        <a:fillRef idx="3">
+          <a:scrgbClr r="0" g="0" b="0"/>
+        </a:fillRef>
+        <a:effectRef idx="2">
+          <a:scrgbClr r="0" g="0" b="0"/>
+        </a:effectRef>
+        <a:fontRef idx="minor">
+          <a:schemeClr val="lt1"/>
+        </a:fontRef>
+      </dsp:style>
+      <dsp:txBody>
+        <a:bodyPr spcFirstLastPara="0" vert="horz" wrap="square" lIns="152400" tIns="152400" rIns="152400" bIns="152400" numCol="1" spcCol="1270" anchor="ctr" anchorCtr="0">
+          <a:noAutofit/>
+        </a:bodyPr>
+        <a:lstStyle/>
+        <a:p>
+          <a:pPr marL="0" lvl="0" indent="0" algn="l" defTabSz="1778000">
+            <a:lnSpc>
+              <a:spcPct val="90000"/>
+            </a:lnSpc>
+            <a:spcBef>
+              <a:spcPct val="0"/>
+            </a:spcBef>
+            <a:spcAft>
+              <a:spcPct val="35000"/>
+            </a:spcAft>
+            <a:buNone/>
+          </a:pPr>
+          <a:r>
+            <a:rPr lang="en-US" sz="4000" kern="1200"/>
+            <a:t>Message</a:t>
+          </a:r>
+        </a:p>
+      </dsp:txBody>
+      <dsp:txXfrm>
+        <a:off x="60542" y="181101"/>
+        <a:ext cx="6545749" cy="1119116"/>
+      </dsp:txXfrm>
+    </dsp:sp>
+    <dsp:sp modelId="{60620A87-0519-46B4-8DA6-3BA5CD619C44}">
+      <dsp:nvSpPr>
+        <dsp:cNvPr id="0" name=""/>
+        <dsp:cNvSpPr/>
+      </dsp:nvSpPr>
+      <dsp:spPr>
+        <a:xfrm>
+          <a:off x="0" y="1360759"/>
+          <a:ext cx="6666833" cy="745200"/>
+        </a:xfrm>
+        <a:prstGeom prst="rect">
+          <a:avLst/>
+        </a:prstGeom>
+        <a:noFill/>
+        <a:ln>
+          <a:noFill/>
+        </a:ln>
+        <a:effectLst/>
+      </dsp:spPr>
+      <dsp:style>
+        <a:lnRef idx="0">
+          <a:scrgbClr r="0" g="0" b="0"/>
+        </a:lnRef>
+        <a:fillRef idx="0">
+          <a:scrgbClr r="0" g="0" b="0"/>
+        </a:fillRef>
+        <a:effectRef idx="0">
+          <a:scrgbClr r="0" g="0" b="0"/>
+        </a:effectRef>
+        <a:fontRef idx="minor"/>
+      </dsp:style>
+      <dsp:txBody>
+        <a:bodyPr spcFirstLastPara="0" vert="horz" wrap="square" lIns="211672" tIns="50800" rIns="284480" bIns="50800" numCol="1" spcCol="1270" anchor="t" anchorCtr="0">
+          <a:noAutofit/>
+        </a:bodyPr>
+        <a:lstStyle/>
+        <a:p>
+          <a:pPr marL="285750" lvl="1" indent="-285750" algn="l" defTabSz="1377950">
+            <a:lnSpc>
+              <a:spcPct val="90000"/>
+            </a:lnSpc>
+            <a:spcBef>
+              <a:spcPct val="0"/>
+            </a:spcBef>
+            <a:spcAft>
+              <a:spcPct val="20000"/>
+            </a:spcAft>
+            <a:buChar char="•"/>
+          </a:pPr>
+          <a:r>
+            <a:rPr lang="en-US" sz="3100" kern="1200"/>
+            <a:t>OS</a:t>
+          </a:r>
+          <a:r>
+            <a:rPr lang="ko-KR" sz="3100" kern="1200"/>
+            <a:t>와 </a:t>
+          </a:r>
+          <a:r>
+            <a:rPr lang="en-US" sz="3100" kern="1200"/>
+            <a:t>app</a:t>
+          </a:r>
+          <a:r>
+            <a:rPr lang="ko-KR" sz="3100" kern="1200"/>
+            <a:t>이 주고 받는 통신 단위</a:t>
+          </a:r>
+          <a:endParaRPr lang="en-US" sz="3100" kern="1200"/>
+        </a:p>
+      </dsp:txBody>
+      <dsp:txXfrm>
+        <a:off x="0" y="1360759"/>
+        <a:ext cx="6666833" cy="745200"/>
+      </dsp:txXfrm>
+    </dsp:sp>
+    <dsp:sp modelId="{74FDF4B9-428B-4457-A22E-7E104611D414}">
+      <dsp:nvSpPr>
+        <dsp:cNvPr id="0" name=""/>
+        <dsp:cNvSpPr/>
+      </dsp:nvSpPr>
+      <dsp:spPr>
+        <a:xfrm>
+          <a:off x="0" y="2105960"/>
+          <a:ext cx="6666833" cy="1240200"/>
+        </a:xfrm>
+        <a:prstGeom prst="roundRect">
+          <a:avLst/>
+        </a:prstGeom>
+        <a:gradFill rotWithShape="0">
+          <a:gsLst>
+            <a:gs pos="0">
+              <a:schemeClr val="accent2">
+                <a:hueOff val="6443614"/>
+                <a:satOff val="-18493"/>
+                <a:lumOff val="-29609"/>
+                <a:alphaOff val="0"/>
+                <a:satMod val="103000"/>
+                <a:lumMod val="102000"/>
+                <a:tint val="94000"/>
+              </a:schemeClr>
+            </a:gs>
+            <a:gs pos="50000">
+              <a:schemeClr val="accent2">
+                <a:hueOff val="6443614"/>
+                <a:satOff val="-18493"/>
+                <a:lumOff val="-29609"/>
+                <a:alphaOff val="0"/>
+                <a:satMod val="110000"/>
+                <a:lumMod val="100000"/>
+                <a:shade val="100000"/>
+              </a:schemeClr>
+            </a:gs>
+            <a:gs pos="100000">
+              <a:schemeClr val="accent2">
+                <a:hueOff val="6443614"/>
+                <a:satOff val="-18493"/>
+                <a:lumOff val="-29609"/>
+                <a:alphaOff val="0"/>
+                <a:lumMod val="99000"/>
+                <a:satMod val="120000"/>
+                <a:shade val="78000"/>
+              </a:schemeClr>
+            </a:gs>
+          </a:gsLst>
+          <a:lin ang="5400000" scaled="0"/>
+        </a:gradFill>
+        <a:ln>
+          <a:noFill/>
+        </a:ln>
+        <a:effectLst/>
+      </dsp:spPr>
+      <dsp:style>
+        <a:lnRef idx="0">
+          <a:scrgbClr r="0" g="0" b="0"/>
+        </a:lnRef>
+        <a:fillRef idx="3">
+          <a:scrgbClr r="0" g="0" b="0"/>
+        </a:fillRef>
+        <a:effectRef idx="2">
+          <a:scrgbClr r="0" g="0" b="0"/>
+        </a:effectRef>
+        <a:fontRef idx="minor">
+          <a:schemeClr val="lt1"/>
+        </a:fontRef>
+      </dsp:style>
+      <dsp:txBody>
+        <a:bodyPr spcFirstLastPara="0" vert="horz" wrap="square" lIns="152400" tIns="152400" rIns="152400" bIns="152400" numCol="1" spcCol="1270" anchor="ctr" anchorCtr="0">
+          <a:noAutofit/>
+        </a:bodyPr>
+        <a:lstStyle/>
+        <a:p>
+          <a:pPr marL="0" lvl="0" indent="0" algn="l" defTabSz="1778000">
+            <a:lnSpc>
+              <a:spcPct val="90000"/>
+            </a:lnSpc>
+            <a:spcBef>
+              <a:spcPct val="0"/>
+            </a:spcBef>
+            <a:spcAft>
+              <a:spcPct val="35000"/>
+            </a:spcAft>
+            <a:buNone/>
+          </a:pPr>
+          <a:r>
+            <a:rPr lang="en-US" sz="4000" kern="1200"/>
+            <a:t>Command</a:t>
+          </a:r>
+        </a:p>
+      </dsp:txBody>
+      <dsp:txXfrm>
+        <a:off x="60542" y="2166502"/>
+        <a:ext cx="6545749" cy="1119116"/>
+      </dsp:txXfrm>
+    </dsp:sp>
+    <dsp:sp modelId="{CC3F4B53-05A4-4143-9580-D503F5E9DEB8}">
+      <dsp:nvSpPr>
+        <dsp:cNvPr id="0" name=""/>
+        <dsp:cNvSpPr/>
+      </dsp:nvSpPr>
+      <dsp:spPr>
+        <a:xfrm>
+          <a:off x="0" y="3346160"/>
+          <a:ext cx="6666833" cy="1987200"/>
+        </a:xfrm>
+        <a:prstGeom prst="rect">
+          <a:avLst/>
+        </a:prstGeom>
+        <a:noFill/>
+        <a:ln>
+          <a:noFill/>
+        </a:ln>
+        <a:effectLst/>
+      </dsp:spPr>
+      <dsp:style>
+        <a:lnRef idx="0">
+          <a:scrgbClr r="0" g="0" b="0"/>
+        </a:lnRef>
+        <a:fillRef idx="0">
+          <a:scrgbClr r="0" g="0" b="0"/>
+        </a:fillRef>
+        <a:effectRef idx="0">
+          <a:scrgbClr r="0" g="0" b="0"/>
+        </a:effectRef>
+        <a:fontRef idx="minor"/>
+      </dsp:style>
+      <dsp:txBody>
+        <a:bodyPr spcFirstLastPara="0" vert="horz" wrap="square" lIns="211672" tIns="50800" rIns="284480" bIns="50800" numCol="1" spcCol="1270" anchor="t" anchorCtr="0">
+          <a:noAutofit/>
+        </a:bodyPr>
+        <a:lstStyle/>
+        <a:p>
+          <a:pPr marL="285750" lvl="1" indent="-285750" algn="l" defTabSz="1377950">
+            <a:lnSpc>
+              <a:spcPct val="90000"/>
+            </a:lnSpc>
+            <a:spcBef>
+              <a:spcPct val="0"/>
+            </a:spcBef>
+            <a:spcAft>
+              <a:spcPct val="20000"/>
+            </a:spcAft>
+            <a:buChar char="•"/>
+          </a:pPr>
+          <a:r>
+            <a:rPr lang="en-US" sz="3100" kern="1200"/>
+            <a:t>Message</a:t>
+          </a:r>
+          <a:r>
+            <a:rPr lang="ko-KR" sz="3100" kern="1200"/>
+            <a:t>의 일종</a:t>
+          </a:r>
+          <a:r>
+            <a:rPr lang="en-US" sz="3100" kern="1200"/>
+            <a:t>: UI</a:t>
+          </a:r>
+          <a:r>
+            <a:rPr lang="ko-KR" sz="3100" kern="1200"/>
+            <a:t>와 관련된 사용자 행동을 표현하는 </a:t>
+          </a:r>
+          <a:r>
+            <a:rPr lang="en-US" sz="3100" kern="1200"/>
+            <a:t>message</a:t>
+          </a:r>
+        </a:p>
+      </dsp:txBody>
+      <dsp:txXfrm>
+        <a:off x="0" y="3346160"/>
+        <a:ext cx="6666833" cy="1987200"/>
+      </dsp:txXfrm>
+    </dsp:sp>
+  </dsp:spTree>
+</dsp:drawing>
+</file>
+
+<file path=ppt/diagrams/layout1.xml><?xml version="1.0" encoding="utf-8"?>
+<dgm:layoutDef xmlns:dgm="http://schemas.openxmlformats.org/drawingml/2006/diagram" xmlns:a="http://schemas.openxmlformats.org/drawingml/2006/main" uniqueId="urn:microsoft.com/office/officeart/2005/8/layout/vList2">
+  <dgm:title val=""/>
+  <dgm:desc val=""/>
+  <dgm:catLst>
+    <dgm:cat type="list" pri="3000"/>
+    <dgm:cat type="convert" pri="1000"/>
+  </dgm:catLst>
+  <dgm:sampData>
+    <dgm:dataModel>
+      <dgm:ptLst>
+        <dgm:pt modelId="0" type="doc"/>
+        <dgm:pt modelId="1">
+          <dgm:prSet phldr="1"/>
+        </dgm:pt>
+        <dgm:pt modelId="11">
+          <dgm:prSet phldr="1"/>
+        </dgm:pt>
+        <dgm:pt modelId="2">
+          <dgm:prSet phldr="1"/>
+        </dgm:pt>
+        <dgm:pt modelId="21">
+          <dgm:prSet phldr="1"/>
+        </dgm:pt>
+      </dgm:ptLst>
+      <dgm:cxnLst>
+        <dgm:cxn modelId="4" srcId="0" destId="1" srcOrd="0" destOrd="0"/>
+        <dgm:cxn modelId="5" srcId="0" destId="2" srcOrd="1" destOrd="0"/>
+        <dgm:cxn modelId="12" srcId="1" destId="11" srcOrd="0" destOrd="0"/>
+        <dgm:cxn modelId="23" srcId="2" destId="21" srcOrd="0" destOrd="0"/>
+      </dgm:cxnLst>
+      <dgm:bg/>
+      <dgm:whole/>
+    </dgm:dataModel>
+  </dgm:sampData>
+  <dgm:styleData>
+    <dgm:dataModel>
+      <dgm:ptLst>
+        <dgm:pt modelId="0" type="doc"/>
+        <dgm:pt modelId="1"/>
+        <dgm:pt modelId="2"/>
+      </dgm:ptLst>
+      <dgm:cxnLst>
+        <dgm:cxn modelId="3" srcId="0" destId="1" srcOrd="0" destOrd="0"/>
+        <dgm:cxn modelId="4" srcId="0" destId="2" srcOrd="1" destOrd="0"/>
+      </dgm:cxnLst>
+      <dgm:bg/>
+      <dgm:whole/>
+    </dgm:dataModel>
+  </dgm:styleData>
+  <dgm:clrData>
+    <dgm:dataModel>
+      <dgm:ptLst>
+        <dgm:pt modelId="0" type="doc"/>
+        <dgm:pt modelId="1"/>
+        <dgm:pt modelId="2"/>
+        <dgm:pt modelId="3"/>
+        <dgm:pt modelId="4"/>
+      </dgm:ptLst>
+      <dgm:cxnLst>
+        <dgm:cxn modelId="5" srcId="0" destId="1" srcOrd="0" destOrd="0"/>
+        <dgm:cxn modelId="6" srcId="0" destId="2" srcOrd="1" destOrd="0"/>
+        <dgm:cxn modelId="7" srcId="0" destId="3" srcOrd="2" destOrd="0"/>
+        <dgm:cxn modelId="8" srcId="0" destId="4" srcOrd="3" destOrd="0"/>
+      </dgm:cxnLst>
+      <dgm:bg/>
+      <dgm:whole/>
+    </dgm:dataModel>
+  </dgm:clrData>
+  <dgm:layoutNode name="linear">
+    <dgm:varLst>
+      <dgm:animLvl val="lvl"/>
+      <dgm:resizeHandles val="exact"/>
+    </dgm:varLst>
+    <dgm:alg type="lin">
+      <dgm:param type="linDir" val="fromT"/>
+      <dgm:param type="vertAlign" val="mid"/>
+    </dgm:alg>
+    <dgm:shape xmlns:r="http://schemas.openxmlformats.org/officeDocument/2006/relationships" r:blip="">
+      <dgm:adjLst/>
+    </dgm:shape>
+    <dgm:presOf/>
+    <dgm:constrLst>
+      <dgm:constr type="w" for="ch" forName="parentText" refType="w"/>
+      <dgm:constr type="h" for="ch" forName="parentText" refType="primFontSz" refFor="ch" refForName="parentText" fact="0.52"/>
+      <dgm:constr type="w" for="ch" forName="childText" refType="w"/>
+      <dgm:constr type="h" for="ch" forName="childText" refType="primFontSz" refFor="ch" refForName="parentText" fact="0.46"/>
+      <dgm:constr type="h" for="ch" forName="parentText" op="equ"/>
+      <dgm:constr type="primFontSz" for="ch" forName="parentText" op="equ" val="65"/>
+      <dgm:constr type="primFontSz" for="ch" forName="childText" refType="primFontSz" refFor="ch" refForName="parentText" op="equ"/>
+      <dgm:constr type="h" for="ch" forName="spacer" refType="primFontSz" refFor="ch" refForName="parentText" fact="0.08"/>
+    </dgm:constrLst>
+    <dgm:ruleLst>
+      <dgm:rule type="primFontSz" for="ch" forName="parentText" val="5" fact="NaN" max="NaN"/>
+    </dgm:ruleLst>
+    <dgm:forEach name="Name0" axis="ch" ptType="node">
+      <dgm:layoutNode name="parentText" styleLbl="node1">
+        <dgm:varLst>
+          <dgm:chMax val="0"/>
+          <dgm:bulletEnabled val="1"/>
+        </dgm:varLst>
+        <dgm:alg type="tx">
+          <dgm:param type="parTxLTRAlign" val="l"/>
+          <dgm:param type="parTxRTLAlign" val="r"/>
+        </dgm:alg>
+        <dgm:shape xmlns:r="http://schemas.openxmlformats.org/officeDocument/2006/relationships" type="roundRect" r:blip="">
+          <dgm:adjLst/>
+        </dgm:shape>
+        <dgm:presOf axis="self"/>
+        <dgm:constrLst>
+          <dgm:constr type="tMarg" refType="primFontSz" fact="0.3"/>
+          <dgm:constr type="bMarg" refType="primFontSz" fact="0.3"/>
+          <dgm:constr type="lMarg" refType="primFontSz" fact="0.3"/>
+          <dgm:constr type="rMarg" refType="primFontSz" fact="0.3"/>
+        </dgm:constrLst>
+        <dgm:ruleLst>
+          <dgm:rule type="h" val="INF" fact="NaN" max="NaN"/>
+        </dgm:ruleLst>
+      </dgm:layoutNode>
+      <dgm:choose name="Name1">
+        <dgm:if name="Name2" axis="ch" ptType="node" func="cnt" op="gte" val="1">
+          <dgm:layoutNode name="childText" styleLbl="revTx">
+            <dgm:varLst>
+              <dgm:bulletEnabled val="1"/>
+            </dgm:varLst>
+            <dgm:alg type="tx">
+              <dgm:param type="stBulletLvl" val="1"/>
+              <dgm:param type="lnSpAfChP" val="20"/>
+            </dgm:alg>
+            <dgm:shape xmlns:r="http://schemas.openxmlformats.org/officeDocument/2006/relationships" type="rect" r:blip="">
+              <dgm:adjLst/>
+            </dgm:shape>
+            <dgm:presOf axis="des" ptType="node"/>
+            <dgm:constrLst>
+              <dgm:constr type="tMarg" refType="primFontSz" fact="0.1"/>
+              <dgm:constr type="bMarg" refType="primFontSz" fact="0.1"/>
+              <dgm:constr type="lMarg" refType="w" fact="0.09"/>
+            </dgm:constrLst>
+            <dgm:ruleLst>
+              <dgm:rule type="h" val="INF" fact="NaN" max="NaN"/>
+            </dgm:ruleLst>
+          </dgm:layoutNode>
+        </dgm:if>
+        <dgm:else name="Name3">
+          <dgm:choose name="Name4">
+            <dgm:if name="Name5" axis="par ch" ptType="doc node" func="cnt" op="gte" val="2">
+              <dgm:forEach name="Name6" axis="followSib" ptType="sibTrans" cnt="1">
+                <dgm:layoutNode name="spacer">
+                  <dgm:alg type="sp"/>
+                  <dgm:shape xmlns:r="http://schemas.openxmlformats.org/officeDocument/2006/relationships" r:blip="">
+                    <dgm:adjLst/>
+                  </dgm:shape>
+                  <dgm:presOf/>
+                  <dgm:constrLst/>
+                  <dgm:ruleLst/>
+                </dgm:layoutNode>
+              </dgm:forEach>
+            </dgm:if>
+            <dgm:else name="Name7"/>
+          </dgm:choose>
+        </dgm:else>
+      </dgm:choose>
+    </dgm:forEach>
+  </dgm:layoutNode>
+</dgm:layoutDef>
+</file>
+
+<file path=ppt/diagrams/quickStyle1.xml><?xml version="1.0" encoding="utf-8"?>
+<dgm:styleDef xmlns:dgm="http://schemas.openxmlformats.org/drawingml/2006/diagram" xmlns:a="http://schemas.openxmlformats.org/drawingml/2006/main" uniqueId="urn:microsoft.com/office/officeart/2005/8/quickstyle/simple4">
+  <dgm:title val=""/>
+  <dgm:desc val=""/>
+  <dgm:catLst>
+    <dgm:cat type="simple" pri="10400"/>
+  </dgm:catLst>
+  <dgm:scene3d>
+    <a:camera prst="orthographicFront"/>
+    <a:lightRig rig="threePt" dir="t"/>
+  </dgm:scene3d>
+  <dgm:styleLbl name="node0">
+    <dgm:scene3d>
+      <a:camera prst="orthographicFront"/>
+      <a:lightRig rig="threePt" dir="t"/>
+    </dgm:scene3d>
+    <dgm:sp3d/>
+    <dgm:txPr/>
+    <dgm:style>
+      <a:lnRef idx="0">
+        <a:scrgbClr r="0" g="0" b="0"/>
+      </a:lnRef>
+      <a:fillRef idx="3">
+        <a:scrgbClr r="0" g="0" b="0"/>
+      </a:fillRef>
+      <a:effectRef idx="2">
+        <a:scrgbClr r="0" g="0" b="0"/>
+      </a:effectRef>
+      <a:fontRef idx="minor">
+        <a:schemeClr val="lt1"/>
+      </a:fontRef>
+    </dgm:style>
+  </dgm:styleLbl>
+  <dgm:styleLbl name="lnNode1">
+    <dgm:scene3d>
+      <a:camera prst="orthographicFront"/>
+      <a:lightRig rig="threePt" dir="t"/>
+    </dgm:scene3d>
+    <dgm:sp3d/>
+    <dgm:txPr/>
+    <dgm:style>
+      <a:lnRef idx="1">
+        <a:scrgbClr r="0" g="0" b="0"/>
+      </a:lnRef>
+      <a:fillRef idx="3">
+        <a:scrgbClr r="0" g="0" b="0"/>
+      </a:fillRef>
+      <a:effectRef idx="2">
+        <a:scrgbClr r="0" g="0" b="0"/>
+      </a:effectRef>
+      <a:fontRef idx="minor">
+        <a:schemeClr val="lt1"/>
+      </a:fontRef>
+    </dgm:style>
+  </dgm:styleLbl>
+  <dgm:styleLbl name="vennNode1">
+    <dgm:scene3d>
+      <a:camera prst="orthographicFront"/>
+      <a:lightRig rig="threePt" dir="t"/>
+    </dgm:scene3d>
+    <dgm:sp3d/>
+    <dgm:txPr/>
+    <dgm:style>
+      <a:lnRef idx="0">
+        <a:scrgbClr r="0" g="0" b="0"/>
+      </a:lnRef>
+      <a:fillRef idx="3">
+        <a:scrgbClr r="0" g="0" b="0"/>
+      </a:fillRef>
+      <a:effectRef idx="0">
+        <a:scrgbClr r="0" g="0" b="0"/>
+      </a:effectRef>
+      <a:fontRef idx="minor">
+        <a:schemeClr val="tx1"/>
+      </a:fontRef>
+    </dgm:style>
+  </dgm:styleLbl>
+  <dgm:styleLbl name="alignNode1">
+    <dgm:scene3d>
+      <a:camera prst="orthographicFront"/>
+      <a:lightRig rig="threePt" dir="t"/>
+    </dgm:scene3d>
+    <dgm:sp3d/>
+    <dgm:txPr/>
+    <dgm:style>
+      <a:lnRef idx="1">
+        <a:scrgbClr r="0" g="0" b="0"/>
+      </a:lnRef>
+      <a:fillRef idx="3">
+        <a:scrgbClr r="0" g="0" b="0"/>
+      </a:fillRef>
+      <a:effectRef idx="2">
+        <a:scrgbClr r="0" g="0" b="0"/>
+      </a:effectRef>
+      <a:fontRef idx="minor">
+        <a:schemeClr val="lt1"/>
+      </a:fontRef>
+    </dgm:style>
+  </dgm:styleLbl>
+  <dgm:styleLbl name="node1">
+    <dgm:scene3d>
+      <a:camera prst="orthographicFront"/>
+      <a:lightRig rig="threePt" dir="t"/>
+    </dgm:scene3d>
+    <dgm:sp3d/>
+    <dgm:txPr/>
+    <dgm:style>
+      <a:lnRef idx="0">
+        <a:scrgbClr r="0" g="0" b="0"/>
+      </a:lnRef>
+      <a:fillRef idx="3">
+        <a:scrgbClr r="0" g="0" b="0"/>
+      </a:fillRef>
+      <a:effectRef idx="2">
+        <a:scrgbClr r="0" g="0" b="0"/>
+      </a:effectRef>
+      <a:fontRef idx="minor">
+        <a:schemeClr val="lt1"/>
+      </a:fontRef>
+    </dgm:style>
+  </dgm:styleLbl>
+  <dgm:styleLbl name="node2">
+    <dgm:scene3d>
+      <a:camera prst="orthographicFront"/>
+      <a:lightRig rig="threePt" dir="t"/>
+    </dgm:scene3d>
+    <dgm:sp3d/>
+    <dgm:txPr/>
+    <dgm:style>
+      <a:lnRef idx="0">
+        <a:scrgbClr r="0" g="0" b="0"/>
+      </a:lnRef>
+      <a:fillRef idx="3">
+        <a:scrgbClr r="0" g="0" b="0"/>
+      </a:fillRef>
+      <a:effectRef idx="2">
+        <a:scrgbClr r="0" g="0" b="0"/>
+      </a:effectRef>
+      <a:fontRef idx="minor">
+        <a:schemeClr val="lt1"/>
+      </a:fontRef>
+    </dgm:style>
+  </dgm:styleLbl>
+  <dgm:styleLbl name="node3">
+    <dgm:scene3d>
+      <a:camera prst="orthographicFront"/>
+      <a:lightRig rig="threePt" dir="t"/>
+    </dgm:scene3d>
+    <dgm:sp3d/>
+    <dgm:txPr/>
+    <dgm:style>
+      <a:lnRef idx="0">
+        <a:scrgbClr r="0" g="0" b="0"/>
+      </a:lnRef>
+      <a:fillRef idx="3">
+        <a:scrgbClr r="0" g="0" b="0"/>
+      </a:fillRef>
+      <a:effectRef idx="2">
+        <a:scrgbClr r="0" g="0" b="0"/>
+      </a:effectRef>
+      <a:fontRef idx="minor">
+        <a:schemeClr val="lt1"/>
+      </a:fontRef>
+    </dgm:style>
+  </dgm:styleLbl>
+  <dgm:styleLbl name="node4">
+    <dgm:scene3d>
+      <a:camera prst="orthographicFront"/>
+      <a:lightRig rig="threePt" dir="t"/>
+    </dgm:scene3d>
+    <dgm:sp3d/>
+    <dgm:txPr/>
+    <dgm:style>
+      <a:lnRef idx="0">
+        <a:scrgbClr r="0" g="0" b="0"/>
+      </a:lnRef>
+      <a:fillRef idx="3">
+        <a:scrgbClr r="0" g="0" b="0"/>
+      </a:fillRef>
+      <a:effectRef idx="2">
+        <a:scrgbClr r="0" g="0" b="0"/>
+      </a:effectRef>
+      <a:fontRef idx="minor">
+        <a:schemeClr val="lt1"/>
+      </a:fontRef>
+    </dgm:style>
+  </dgm:styleLbl>
+  <dgm:styleLbl name="fgImgPlace1">
+    <dgm:scene3d>
+      <a:camera prst="orthographicFront"/>
+      <a:lightRig rig="threePt" dir="t"/>
+    </dgm:scene3d>
+    <dgm:sp3d/>
+    <dgm:txPr/>
+    <dgm:style>
+      <a:lnRef idx="0">
+        <a:scrgbClr r="0" g="0" b="0"/>
+      </a:lnRef>
+      <a:fillRef idx="1">
+        <a:scrgbClr r="0" g="0" b="0"/>
+      </a:fillRef>
+      <a:effectRef idx="2">
+        <a:scrgbClr r="0" g="0" b="0"/>
+      </a:effectRef>
+      <a:fontRef idx="minor"/>
+    </dgm:style>
+  </dgm:styleLbl>
+  <dgm:styleLbl name="alignImgPlace1">
+    <dgm:scene3d>
+      <a:camera prst="orthographicFront"/>
+      <a:lightRig rig="threePt" dir="t"/>
+    </dgm:scene3d>
+    <dgm:sp3d/>
+    <dgm:txPr/>
+    <dgm:style>
+      <a:lnRef idx="0">
+        <a:scrgbClr r="0" g="0" b="0"/>
+      </a:lnRef>
+      <a:fillRef idx="1">
+        <a:scrgbClr r="0" g="0" b="0"/>
+      </a:fillRef>
+      <a:effectRef idx="2">
+        <a:scrgbClr r="0" g="0" b="0"/>
+      </a:effectRef>
+      <a:fontRef idx="minor"/>
+    </dgm:style>
+  </dgm:styleLbl>
+  <dgm:styleLbl name="bgImgPlace1">
+    <dgm:scene3d>
+      <a:camera prst="orthographicFront"/>
+      <a:lightRig rig="threePt" dir="t"/>
+    </dgm:scene3d>
+    <dgm:sp3d/>
+    <dgm:txPr/>
+    <dgm:style>
+      <a:lnRef idx="0">
+        <a:scrgbClr r="0" g="0" b="0"/>
+      </a:lnRef>
+      <a:fillRef idx="1">
+        <a:scrgbClr r="0" g="0" b="0"/>
+      </a:fillRef>
+      <a:effectRef idx="2">
+        <a:scrgbClr r="0" g="0" b="0"/>
+      </a:effectRef>
+      <a:fontRef idx="minor"/>
+    </dgm:style>
+  </dgm:styleLbl>
+  <dgm:styleLbl name="sibTrans2D1">
+    <dgm:scene3d>
+      <a:camera prst="orthographicFront"/>
+      <a:lightRig rig="threePt" dir="t"/>
+    </dgm:scene3d>
+    <dgm:sp3d/>
+    <dgm:txPr/>
+    <dgm:style>
+      <a:lnRef idx="0">
+        <a:scrgbClr r="0" g="0" b="0"/>
+      </a:lnRef>
+      <a:fillRef idx="3">
+        <a:scrgbClr r="0" g="0" b="0"/>
+      </a:fillRef>
+      <a:effectRef idx="2">
+        <a:scrgbClr r="0" g="0" b="0"/>
+      </a:effectRef>
+      <a:fontRef idx="minor">
+        <a:schemeClr val="lt1"/>
+      </a:fontRef>
+    </dgm:style>
+  </dgm:styleLbl>
+  <dgm:styleLbl name="fgSibTrans2D1">
+    <dgm:scene3d>
+      <a:camera prst="orthographicFront"/>
+      <a:lightRig rig="threePt" dir="t"/>
+    </dgm:scene3d>
+    <dgm:sp3d/>
+    <dgm:txPr/>
+    <dgm:style>
+      <a:lnRef idx="0">
+        <a:scrgbClr r="0" g="0" b="0"/>
+      </a:lnRef>
+      <a:fillRef idx="3">
+        <a:scrgbClr r="0" g="0" b="0"/>
+      </a:fillRef>
+      <a:effectRef idx="2">
+        <a:scrgbClr r="0" g="0" b="0"/>
+      </a:effectRef>
+      <a:fontRef idx="minor">
+        <a:schemeClr val="lt1"/>
+      </a:fontRef>
+    </dgm:style>
+  </dgm:styleLbl>
+  <dgm:styleLbl name="bgSibTrans2D1">
+    <dgm:scene3d>
+      <a:camera prst="orthographicFront"/>
+      <a:lightRig rig="threePt" dir="t"/>
+    </dgm:scene3d>
+    <dgm:sp3d/>
+    <dgm:txPr/>
+    <dgm:style>
+      <a:lnRef idx="0">
+        <a:scrgbClr r="0" g="0" b="0"/>
+      </a:lnRef>
+      <a:fillRef idx="3">
+        <a:scrgbClr r="0" g="0" b="0"/>
+      </a:fillRef>
+      <a:effectRef idx="2">
+        <a:scrgbClr r="0" g="0" b="0"/>
+      </a:effectRef>
+      <a:fontRef idx="minor">
+        <a:schemeClr val="lt1"/>
+      </a:fontRef>
+    </dgm:style>
+  </dgm:styleLbl>
+  <dgm:styleLbl name="sibTrans1D1">
+    <dgm:scene3d>
+      <a:camera prst="orthographicFront"/>
+      <a:lightRig rig="threePt" dir="t"/>
+    </dgm:scene3d>
+    <dgm:sp3d/>
+    <dgm:txPr/>
+    <dgm:style>
+      <a:lnRef idx="1">
+        <a:scrgbClr r="0" g="0" b="0"/>
+      </a:lnRef>
+      <a:fillRef idx="0">
+        <a:scrgbClr r="0" g="0" b="0"/>
+      </a:fillRef>
+      <a:effectRef idx="0">
+        <a:scrgbClr r="0" g="0" b="0"/>
+      </a:effectRef>
+      <a:fontRef idx="minor"/>
+    </dgm:style>
+  </dgm:styleLbl>
+  <dgm:styleLbl name="callout">
+    <dgm:scene3d>
+      <a:camera prst="orthographicFront"/>
+      <a:lightRig rig="threePt" dir="t"/>
+    </dgm:scene3d>
+    <dgm:sp3d/>
+    <dgm:txPr/>
+    <dgm:style>
+      <a:lnRef idx="2">
+        <a:scrgbClr r="0" g="0" b="0"/>
+      </a:lnRef>
+      <a:fillRef idx="1">
+        <a:scrgbClr r="0" g="0" b="0"/>
+      </a:fillRef>
+      <a:effectRef idx="1">
+        <a:scrgbClr r="0" g="0" b="0"/>
+      </a:effectRef>
+      <a:fontRef idx="minor"/>
+    </dgm:style>
+  </dgm:styleLbl>
+  <dgm:styleLbl name="asst0">
+    <dgm:scene3d>
+      <a:camera prst="orthographicFront"/>
+      <a:lightRig rig="threePt" dir="t"/>
+    </dgm:scene3d>
+    <dgm:sp3d/>
+    <dgm:txPr/>
+    <dgm:style>
+      <a:lnRef idx="0">
+        <a:scrgbClr r="0" g="0" b="0"/>
+      </a:lnRef>
+      <a:fillRef idx="3">
+        <a:scrgbClr r="0" g="0" b="0"/>
+      </a:fillRef>
+      <a:effectRef idx="2">
+        <a:scrgbClr r="0" g="0" b="0"/>
+      </a:effectRef>
+      <a:fontRef idx="minor">
+        <a:schemeClr val="lt1"/>
+      </a:fontRef>
+    </dgm:style>
+  </dgm:styleLbl>
+  <dgm:styleLbl name="asst1">
+    <dgm:scene3d>
+      <a:camera prst="orthographicFront"/>
+      <a:lightRig rig="threePt" dir="t"/>
+    </dgm:scene3d>
+    <dgm:sp3d/>
+    <dgm:txPr/>
+    <dgm:style>
+      <a:lnRef idx="0">
+        <a:scrgbClr r="0" g="0" b="0"/>
+      </a:lnRef>
+      <a:fillRef idx="3">
+        <a:scrgbClr r="0" g="0" b="0"/>
+      </a:fillRef>
+      <a:effectRef idx="2">
+        <a:scrgbClr r="0" g="0" b="0"/>
+      </a:effectRef>
+      <a:fontRef idx="minor">
+        <a:schemeClr val="lt1"/>
+      </a:fontRef>
+    </dgm:style>
+  </dgm:styleLbl>
+  <dgm:styleLbl name="asst2">
+    <dgm:scene3d>
+      <a:camera prst="orthographicFront"/>
+      <a:lightRig rig="threePt" dir="t"/>
+    </dgm:scene3d>
+    <dgm:sp3d/>
+    <dgm:txPr/>
+    <dgm:style>
+      <a:lnRef idx="0">
+        <a:scrgbClr r="0" g="0" b="0"/>
+      </a:lnRef>
+      <a:fillRef idx="3">
+        <a:scrgbClr r="0" g="0" b="0"/>
+      </a:fillRef>
+      <a:effectRef idx="2">
+        <a:scrgbClr r="0" g="0" b="0"/>
+      </a:effectRef>
+      <a:fontRef idx="minor">
+        <a:schemeClr val="lt1"/>
+      </a:fontRef>
+    </dgm:style>
+  </dgm:styleLbl>
+  <dgm:styleLbl name="asst3">
+    <dgm:scene3d>
+      <a:camera prst="orthographicFront"/>
+      <a:lightRig rig="threePt" dir="t"/>
+    </dgm:scene3d>
+    <dgm:sp3d/>
+    <dgm:txPr/>
+    <dgm:style>
+      <a:lnRef idx="0">
+        <a:scrgbClr r="0" g="0" b="0"/>
+      </a:lnRef>
+      <a:fillRef idx="3">
+        <a:scrgbClr r="0" g="0" b="0"/>
+      </a:fillRef>
+      <a:effectRef idx="2">
+        <a:scrgbClr r="0" g="0" b="0"/>
+      </a:effectRef>
+      <a:fontRef idx="minor">
+        <a:schemeClr val="lt1"/>
+      </a:fontRef>
+    </dgm:style>
+  </dgm:styleLbl>
+  <dgm:styleLbl name="asst4">
+    <dgm:scene3d>
+      <a:camera prst="orthographicFront"/>
+      <a:lightRig rig="threePt" dir="t"/>
+    </dgm:scene3d>
+    <dgm:sp3d/>
+    <dgm:txPr/>
+    <dgm:style>
+      <a:lnRef idx="0">
+        <a:scrgbClr r="0" g="0" b="0"/>
+      </a:lnRef>
+      <a:fillRef idx="3">
+        <a:scrgbClr r="0" g="0" b="0"/>
+      </a:fillRef>
+      <a:effectRef idx="2">
+        <a:scrgbClr r="0" g="0" b="0"/>
+      </a:effectRef>
+      <a:fontRef idx="minor">
+        <a:schemeClr val="lt1"/>
+      </a:fontRef>
+    </dgm:style>
+  </dgm:styleLbl>
+  <dgm:styleLbl name="parChTrans2D1">
+    <dgm:scene3d>
+      <a:camera prst="orthographicFront"/>
+      <a:lightRig rig="threePt" dir="t"/>
+    </dgm:scene3d>
+    <dgm:sp3d/>
+    <dgm:txPr/>
+    <dgm:style>
+      <a:lnRef idx="0">
+        <a:scrgbClr r="0" g="0" b="0"/>
+      </a:lnRef>
+      <a:fillRef idx="3">
+        <a:scrgbClr r="0" g="0" b="0"/>
+      </a:fillRef>
+      <a:effectRef idx="2">
+        <a:scrgbClr r="0" g="0" b="0"/>
+      </a:effectRef>
+      <a:fontRef idx="minor">
+        <a:schemeClr val="lt1"/>
+      </a:fontRef>
+    </dgm:style>
+  </dgm:styleLbl>
+  <dgm:styleLbl name="parChTrans2D2">
+    <dgm:scene3d>
+      <a:camera prst="orthographicFront"/>
+      <a:lightRig rig="threePt" dir="t"/>
+    </dgm:scene3d>
+    <dgm:sp3d/>
+    <dgm:txPr/>
+    <dgm:style>
+      <a:lnRef idx="0">
+        <a:scrgbClr r="0" g="0" b="0"/>
+      </a:lnRef>
+      <a:fillRef idx="3">
+        <a:scrgbClr r="0" g="0" b="0"/>
+      </a:fillRef>
+      <a:effectRef idx="2">
+        <a:scrgbClr r="0" g="0" b="0"/>
+      </a:effectRef>
+      <a:fontRef idx="minor">
+        <a:schemeClr val="lt1"/>
+      </a:fontRef>
+    </dgm:style>
+  </dgm:styleLbl>
+  <dgm:styleLbl name="parChTrans2D3">
+    <dgm:scene3d>
+      <a:camera prst="orthographicFront"/>
+      <a:lightRig rig="threePt" dir="t"/>
+    </dgm:scene3d>
+    <dgm:sp3d/>
+    <dgm:txPr/>
+    <dgm:style>
+      <a:lnRef idx="1">
+        <a:scrgbClr r="0" g="0" b="0"/>
+      </a:lnRef>
+      <a:fillRef idx="3">
+        <a:scrgbClr r="0" g="0" b="0"/>
+      </a:fillRef>
+      <a:effectRef idx="2">
+        <a:scrgbClr r="0" g="0" b="0"/>
+      </a:effectRef>
+      <a:fontRef idx="minor">
+        <a:schemeClr val="lt1"/>
+      </a:fontRef>
+    </dgm:style>
+  </dgm:styleLbl>
+  <dgm:styleLbl name="parChTrans2D4">
+    <dgm:scene3d>
+      <a:camera prst="orthographicFront"/>
+      <a:lightRig rig="threePt" dir="t"/>
+    </dgm:scene3d>
+    <dgm:sp3d/>
+    <dgm:txPr/>
+    <dgm:style>
+      <a:lnRef idx="1">
+        <a:scrgbClr r="0" g="0" b="0"/>
+      </a:lnRef>
+      <a:fillRef idx="3">
+        <a:scrgbClr r="0" g="0" b="0"/>
+      </a:fillRef>
+      <a:effectRef idx="2">
+        <a:scrgbClr r="0" g="0" b="0"/>
+      </a:effectRef>
+      <a:fontRef idx="minor">
+        <a:schemeClr val="lt1"/>
+      </a:fontRef>
+    </dgm:style>
+  </dgm:styleLbl>
+  <dgm:styleLbl name="parChTrans1D1">
+    <dgm:scene3d>
+      <a:camera prst="orthographicFront"/>
+      <a:lightRig rig="threePt" dir="t"/>
+    </dgm:scene3d>
+    <dgm:sp3d/>
+    <dgm:txPr/>
+    <dgm:style>
+      <a:lnRef idx="1">
+        <a:scrgbClr r="0" g="0" b="0"/>
+      </a:lnRef>
+      <a:fillRef idx="0">
+        <a:scrgbClr r="0" g="0" b="0"/>
+      </a:fillRef>
+      <a:effectRef idx="0">
+        <a:scrgbClr r="0" g="0" b="0"/>
+      </a:effectRef>
+      <a:fontRef idx="minor"/>
+    </dgm:style>
+  </dgm:styleLbl>
+  <dgm:styleLbl name="parChTrans1D2">
+    <dgm:scene3d>
+      <a:camera prst="orthographicFront"/>
+      <a:lightRig rig="threePt" dir="t"/>
+    </dgm:scene3d>
+    <dgm:sp3d/>
+    <dgm:txPr/>
+    <dgm:style>
+      <a:lnRef idx="1">
+        <a:scrgbClr r="0" g="0" b="0"/>
+      </a:lnRef>
+      <a:fillRef idx="0">
+        <a:scrgbClr r="0" g="0" b="0"/>
+      </a:fillRef>
+      <a:effectRef idx="0">
+        <a:scrgbClr r="0" g="0" b="0"/>
+      </a:effectRef>
+      <a:fontRef idx="minor"/>
+    </dgm:style>
+  </dgm:styleLbl>
+  <dgm:styleLbl name="parChTrans1D3">
+    <dgm:scene3d>
+      <a:camera prst="orthographicFront"/>
+      <a:lightRig rig="threePt" dir="t"/>
+    </dgm:scene3d>
+    <dgm:sp3d/>
+    <dgm:txPr/>
+    <dgm:style>
+      <a:lnRef idx="1">
+        <a:scrgbClr r="0" g="0" b="0"/>
+      </a:lnRef>
+      <a:fillRef idx="0">
+        <a:scrgbClr r="0" g="0" b="0"/>
+      </a:fillRef>
+      <a:effectRef idx="0">
+        <a:scrgbClr r="0" g="0" b="0"/>
+      </a:effectRef>
+      <a:fontRef idx="minor"/>
+    </dgm:style>
+  </dgm:styleLbl>
+  <dgm:styleLbl name="parChTrans1D4">
+    <dgm:scene3d>
+      <a:camera prst="orthographicFront"/>
+      <a:lightRig rig="threePt" dir="t"/>
+    </dgm:scene3d>
+    <dgm:sp3d/>
+    <dgm:txPr/>
+    <dgm:style>
+      <a:lnRef idx="1">
+        <a:scrgbClr r="0" g="0" b="0"/>
+      </a:lnRef>
+      <a:fillRef idx="0">
+        <a:scrgbClr r="0" g="0" b="0"/>
+      </a:fillRef>
+      <a:effectRef idx="0">
+        <a:scrgbClr r="0" g="0" b="0"/>
+      </a:effectRef>
+      <a:fontRef idx="minor"/>
+    </dgm:style>
+  </dgm:styleLbl>
+  <dgm:styleLbl name="fgAcc1">
+    <dgm:scene3d>
+      <a:camera prst="orthographicFront"/>
+      <a:lightRig rig="threePt" dir="t"/>
+    </dgm:scene3d>
+    <dgm:sp3d/>
+    <dgm:txPr/>
+    <dgm:style>
+      <a:lnRef idx="1">
+        <a:scrgbClr r="0" g="0" b="0"/>
+      </a:lnRef>
+      <a:fillRef idx="1">
+        <a:scrgbClr r="0" g="0" b="0"/>
+      </a:fillRef>
+      <a:effectRef idx="0">
+        <a:scrgbClr r="0" g="0" b="0"/>
+      </a:effectRef>
+      <a:fontRef idx="minor"/>
+    </dgm:style>
+  </dgm:styleLbl>
+  <dgm:styleLbl name="conFgAcc1">
+    <dgm:scene3d>
+      <a:camera prst="orthographicFront"/>
+      <a:lightRig rig="threePt" dir="t"/>
+    </dgm:scene3d>
+    <dgm:sp3d/>
+    <dgm:txPr/>
+    <dgm:style>
+      <a:lnRef idx="1">
+        <a:scrgbClr r="0" g="0" b="0"/>
+      </a:lnRef>
+      <a:fillRef idx="1">
+        <a:scrgbClr r="0" g="0" b="0"/>
+      </a:fillRef>
+      <a:effectRef idx="0">
+        <a:scrgbClr r="0" g="0" b="0"/>
+      </a:effectRef>
+      <a:fontRef idx="minor"/>
+    </dgm:style>
+  </dgm:styleLbl>
+  <dgm:styleLbl name="alignAcc1">
+    <dgm:scene3d>
+      <a:camera prst="orthographicFront"/>
+      <a:lightRig rig="threePt" dir="t"/>
+    </dgm:scene3d>
+    <dgm:sp3d/>
+    <dgm:txPr/>
+    <dgm:style>
+      <a:lnRef idx="1">
+        <a:scrgbClr r="0" g="0" b="0"/>
+      </a:lnRef>
+      <a:fillRef idx="1">
+        <a:scrgbClr r="0" g="0" b="0"/>
+      </a:fillRef>
+      <a:effectRef idx="0">
+        <a:scrgbClr r="0" g="0" b="0"/>
+      </a:effectRef>
+      <a:fontRef idx="minor"/>
+    </dgm:style>
+  </dgm:styleLbl>
+  <dgm:styleLbl name="trAlignAcc1">
+    <dgm:scene3d>
+      <a:camera prst="orthographicFront"/>
+      <a:lightRig rig="threePt" dir="t"/>
+    </dgm:scene3d>
+    <dgm:sp3d/>
+    <dgm:txPr/>
+    <dgm:style>
+      <a:lnRef idx="1">
+        <a:scrgbClr r="0" g="0" b="0"/>
+      </a:lnRef>
+      <a:fillRef idx="1">
+        <a:scrgbClr r="0" g="0" b="0"/>
+      </a:fillRef>
+      <a:effectRef idx="0">
+        <a:scrgbClr r="0" g="0" b="0"/>
+      </a:effectRef>
+      <a:fontRef idx="minor"/>
+    </dgm:style>
+  </dgm:styleLbl>
+  <dgm:styleLbl name="bgAcc1">
+    <dgm:scene3d>
+      <a:camera prst="orthographicFront"/>
+      <a:lightRig rig="threePt" dir="t"/>
+    </dgm:scene3d>
+    <dgm:sp3d/>
+    <dgm:txPr/>
+    <dgm:style>
+      <a:lnRef idx="1">
+        <a:scrgbClr r="0" g="0" b="0"/>
+      </a:lnRef>
+      <a:fillRef idx="1">
+        <a:scrgbClr r="0" g="0" b="0"/>
+      </a:fillRef>
+      <a:effectRef idx="0">
+        <a:scrgbClr r="0" g="0" b="0"/>
+      </a:effectRef>
+      <a:fontRef idx="minor"/>
+    </dgm:style>
+  </dgm:styleLbl>
+  <dgm:styleLbl name="solidFgAcc1">
+    <dgm:scene3d>
+      <a:camera prst="orthographicFront"/>
+      <a:lightRig rig="threePt" dir="t"/>
+    </dgm:scene3d>
+    <dgm:sp3d/>
+    <dgm:txPr/>
+    <dgm:style>
+      <a:lnRef idx="1">
+        <a:scrgbClr r="0" g="0" b="0"/>
+      </a:lnRef>
+      <a:fillRef idx="1">
+        <a:scrgbClr r="0" g="0" b="0"/>
+      </a:fillRef>
+      <a:effectRef idx="0">
+        <a:scrgbClr r="0" g="0" b="0"/>
+      </a:effectRef>
+      <a:fontRef idx="minor"/>
+    </dgm:style>
+  </dgm:styleLbl>
+  <dgm:styleLbl name="solidAlignAcc1">
+    <dgm:scene3d>
+      <a:camera prst="orthographicFront"/>
+      <a:lightRig rig="threePt" dir="t"/>
+    </dgm:scene3d>
+    <dgm:sp3d/>
+    <dgm:txPr/>
+    <dgm:style>
+      <a:lnRef idx="1">
+        <a:scrgbClr r="0" g="0" b="0"/>
+      </a:lnRef>
+      <a:fillRef idx="1">
+        <a:scrgbClr r="0" g="0" b="0"/>
+      </a:fillRef>
+      <a:effectRef idx="0">
+        <a:scrgbClr r="0" g="0" b="0"/>
+      </a:effectRef>
+      <a:fontRef idx="minor"/>
+    </dgm:style>
+  </dgm:styleLbl>
+  <dgm:styleLbl name="solidBgAcc1">
+    <dgm:scene3d>
+      <a:camera prst="orthographicFront"/>
+      <a:lightRig rig="threePt" dir="t"/>
+    </dgm:scene3d>
+    <dgm:sp3d/>
+    <dgm:txPr/>
+    <dgm:style>
+      <a:lnRef idx="1">
+        <a:scrgbClr r="0" g="0" b="0"/>
+      </a:lnRef>
+      <a:fillRef idx="1">
+        <a:scrgbClr r="0" g="0" b="0"/>
+      </a:fillRef>
+      <a:effectRef idx="0">
+        <a:scrgbClr r="0" g="0" b="0"/>
+      </a:effectRef>
+      <a:fontRef idx="minor"/>
+    </dgm:style>
+  </dgm:styleLbl>
+  <dgm:styleLbl name="fgAccFollowNode1">
+    <dgm:scene3d>
+      <a:camera prst="orthographicFront"/>
+      <a:lightRig rig="threePt" dir="t"/>
+    </dgm:scene3d>
+    <dgm:sp3d/>
+    <dgm:txPr/>
+    <dgm:style>
+      <a:lnRef idx="1">
+        <a:scrgbClr r="0" g="0" b="0"/>
+      </a:lnRef>
+      <a:fillRef idx="1">
+        <a:scrgbClr r="0" g="0" b="0"/>
+      </a:fillRef>
+      <a:effectRef idx="0">
+        <a:scrgbClr r="0" g="0" b="0"/>
+      </a:effectRef>
+      <a:fontRef idx="minor"/>
+    </dgm:style>
+  </dgm:styleLbl>
+  <dgm:styleLbl name="alignAccFollowNode1">
+    <dgm:scene3d>
+      <a:camera prst="orthographicFront"/>
+      <a:lightRig rig="threePt" dir="t"/>
+    </dgm:scene3d>
+    <dgm:sp3d/>
+    <dgm:txPr/>
+    <dgm:style>
+      <a:lnRef idx="1">
+        <a:scrgbClr r="0" g="0" b="0"/>
+      </a:lnRef>
+      <a:fillRef idx="1">
+        <a:scrgbClr r="0" g="0" b="0"/>
+      </a:fillRef>
+      <a:effectRef idx="0">
+        <a:scrgbClr r="0" g="0" b="0"/>
+      </a:effectRef>
+      <a:fontRef idx="minor"/>
+    </dgm:style>
+  </dgm:styleLbl>
+  <dgm:styleLbl name="bgAccFollowNode1">
+    <dgm:scene3d>
+      <a:camera prst="orthographicFront"/>
+      <a:lightRig rig="threePt" dir="t"/>
+    </dgm:scene3d>
+    <dgm:sp3d/>
+    <dgm:txPr/>
+    <dgm:style>
+      <a:lnRef idx="1">
+        <a:scrgbClr r="0" g="0" b="0"/>
+      </a:lnRef>
+      <a:fillRef idx="1">
+        <a:scrgbClr r="0" g="0" b="0"/>
+      </a:fillRef>
+      <a:effectRef idx="0">
+        <a:scrgbClr r="0" g="0" b="0"/>
+      </a:effectRef>
+      <a:fontRef idx="minor"/>
+    </dgm:style>
+  </dgm:styleLbl>
+  <dgm:styleLbl name="fgAcc0">
+    <dgm:scene3d>
+      <a:camera prst="orthographicFront"/>
+      <a:lightRig rig="threePt" dir="t"/>
+    </dgm:scene3d>
+    <dgm:sp3d/>
+    <dgm:txPr/>
+    <dgm:style>
+      <a:lnRef idx="1">
+        <a:scrgbClr r="0" g="0" b="0"/>
+      </a:lnRef>
+      <a:fillRef idx="1">
+        <a:scrgbClr r="0" g="0" b="0"/>
+      </a:fillRef>
+      <a:effectRef idx="0">
+        <a:scrgbClr r="0" g="0" b="0"/>
+      </a:effectRef>
+      <a:fontRef idx="minor"/>
+    </dgm:style>
+  </dgm:styleLbl>
+  <dgm:styleLbl name="fgAcc2">
+    <dgm:scene3d>
+      <a:camera prst="orthographicFront"/>
+      <a:lightRig rig="threePt" dir="t"/>
+    </dgm:scene3d>
+    <dgm:sp3d/>
+    <dgm:txPr/>
+    <dgm:style>
+      <a:lnRef idx="1">
+        <a:scrgbClr r="0" g="0" b="0"/>
+      </a:lnRef>
+      <a:fillRef idx="1">
+        <a:scrgbClr r="0" g="0" b="0"/>
+      </a:fillRef>
+      <a:effectRef idx="0">
+        <a:scrgbClr r="0" g="0" b="0"/>
+      </a:effectRef>
+      <a:fontRef idx="minor"/>
+    </dgm:style>
+  </dgm:styleLbl>
+  <dgm:styleLbl name="fgAcc3">
+    <dgm:scene3d>
+      <a:camera prst="orthographicFront"/>
+      <a:lightRig rig="threePt" dir="t"/>
+    </dgm:scene3d>
+    <dgm:sp3d/>
+    <dgm:txPr/>
+    <dgm:style>
+      <a:lnRef idx="1">
+        <a:scrgbClr r="0" g="0" b="0"/>
+      </a:lnRef>
+      <a:fillRef idx="1">
+        <a:scrgbClr r="0" g="0" b="0"/>
+      </a:fillRef>
+      <a:effectRef idx="0">
+        <a:scrgbClr r="0" g="0" b="0"/>
+      </a:effectRef>
+      <a:fontRef idx="minor"/>
+    </dgm:style>
+  </dgm:styleLbl>
+  <dgm:styleLbl name="fgAcc4">
+    <dgm:scene3d>
+      <a:camera prst="orthographicFront"/>
+      <a:lightRig rig="threePt" dir="t"/>
+    </dgm:scene3d>
+    <dgm:sp3d/>
+    <dgm:txPr/>
+    <dgm:style>
+      <a:lnRef idx="1">
+        <a:scrgbClr r="0" g="0" b="0"/>
+      </a:lnRef>
+      <a:fillRef idx="1">
+        <a:scrgbClr r="0" g="0" b="0"/>
+      </a:fillRef>
+      <a:effectRef idx="0">
+        <a:scrgbClr r="0" g="0" b="0"/>
+      </a:effectRef>
+      <a:fontRef idx="minor"/>
+    </dgm:style>
+  </dgm:styleLbl>
+  <dgm:styleLbl name="bgShp">
+    <dgm:scene3d>
+      <a:camera prst="orthographicFront"/>
+      <a:lightRig rig="threePt" dir="t"/>
+    </dgm:scene3d>
+    <dgm:sp3d/>
+    <dgm:txPr/>
+    <dgm:style>
+      <a:lnRef idx="0">
+        <a:scrgbClr r="0" g="0" b="0"/>
+      </a:lnRef>
+      <a:fillRef idx="1">
+        <a:scrgbClr r="0" g="0" b="0"/>
+      </a:fillRef>
+      <a:effectRef idx="2">
+        <a:scrgbClr r="0" g="0" b="0"/>
+      </a:effectRef>
+      <a:fontRef idx="minor"/>
+    </dgm:style>
+  </dgm:styleLbl>
+  <dgm:styleLbl name="dkBgShp">
+    <dgm:scene3d>
+      <a:camera prst="orthographicFront"/>
+      <a:lightRig rig="threePt" dir="t"/>
+    </dgm:scene3d>
+    <dgm:sp3d/>
+    <dgm:txPr/>
+    <dgm:style>
+      <a:lnRef idx="0">
+        <a:scrgbClr r="0" g="0" b="0"/>
+      </a:lnRef>
+      <a:fillRef idx="1">
+        <a:scrgbClr r="0" g="0" b="0"/>
+      </a:fillRef>
+      <a:effectRef idx="2">
+        <a:scrgbClr r="0" g="0" b="0"/>
+      </a:effectRef>
+      <a:fontRef idx="minor"/>
+    </dgm:style>
+  </dgm:styleLbl>
+  <dgm:styleLbl name="trBgShp">
+    <dgm:scene3d>
+      <a:camera prst="orthographicFront"/>
+      <a:lightRig rig="threePt" dir="t"/>
+    </dgm:scene3d>
+    <dgm:sp3d/>
+    <dgm:txPr/>
+    <dgm:style>
+      <a:lnRef idx="0">
+        <a:scrgbClr r="0" g="0" b="0"/>
+      </a:lnRef>
+      <a:fillRef idx="1">
+        <a:scrgbClr r="0" g="0" b="0"/>
+      </a:fillRef>
+      <a:effectRef idx="0">
+        <a:scrgbClr r="0" g="0" b="0"/>
+      </a:effectRef>
+      <a:fontRef idx="minor"/>
+    </dgm:style>
+  </dgm:styleLbl>
+  <dgm:styleLbl name="fgShp">
+    <dgm:scene3d>
+      <a:camera prst="orthographicFront"/>
+      <a:lightRig rig="threePt" dir="t"/>
+    </dgm:scene3d>
+    <dgm:sp3d/>
+    <dgm:txPr/>
+    <dgm:style>
+      <a:lnRef idx="0">
+        <a:scrgbClr r="0" g="0" b="0"/>
+      </a:lnRef>
+      <a:fillRef idx="3">
+        <a:scrgbClr r="0" g="0" b="0"/>
+      </a:fillRef>
+      <a:effectRef idx="2">
+        <a:scrgbClr r="0" g="0" b="0"/>
+      </a:effectRef>
+      <a:fontRef idx="minor"/>
+    </dgm:style>
+  </dgm:styleLbl>
+  <dgm:styleLbl name="revTx">
+    <dgm:scene3d>
+      <a:camera prst="orthographicFront"/>
+      <a:lightRig rig="threePt" dir="t"/>
+    </dgm:scene3d>
+    <dgm:sp3d/>
+    <dgm:txPr/>
+    <dgm:style>
+      <a:lnRef idx="0">
+        <a:scrgbClr r="0" g="0" b="0"/>
+      </a:lnRef>
+      <a:fillRef idx="0">
+        <a:scrgbClr r="0" g="0" b="0"/>
+      </a:fillRef>
+      <a:effectRef idx="0">
+        <a:scrgbClr r="0" g="0" b="0"/>
+      </a:effectRef>
+      <a:fontRef idx="minor"/>
+    </dgm:style>
+  </dgm:styleLbl>
+</dgm:styleDef>
 </file>
 
 <file path=ppt/slideLayouts/slideLayout1.xml><?xml version="1.0" encoding="utf-8"?>
@@ -6707,6 +9311,14 @@
 <file path=ppt/slides/slide3.xml><?xml version="1.0" encoding="utf-8"?>
 <p:sld xmlns:a="http://schemas.openxmlformats.org/drawingml/2006/main" xmlns:r="http://schemas.openxmlformats.org/officeDocument/2006/relationships" xmlns:p="http://schemas.openxmlformats.org/presentationml/2006/main">
   <p:cSld>
+    <p:bg>
+      <p:bgPr>
+        <a:solidFill>
+          <a:schemeClr val="bg1"/>
+        </a:solidFill>
+        <a:effectLst/>
+      </p:bgPr>
+    </p:bg>
     <p:spTree>
       <p:nvGrpSpPr>
         <p:cNvPr id="1" name=""/>
@@ -6721,6 +9333,66 @@
           <a:chExt cx="0" cy="0"/>
         </a:xfrm>
       </p:grpSpPr>
+      <p:sp useBgFill="1">
+        <p:nvSpPr>
+          <p:cNvPr id="1031" name="Rectangle 1030">
+            <a:extLst>
+              <a:ext uri="{FF2B5EF4-FFF2-40B4-BE49-F238E27FC236}">
+                <a16:creationId xmlns:a16="http://schemas.microsoft.com/office/drawing/2014/main" id="{743AA782-23D1-4521-8CAD-47662984AA08}"/>
+              </a:ext>
+              <a:ext uri="{C183D7F6-B498-43B3-948B-1728B52AA6E4}">
+                <adec:decorative xmlns:adec="http://schemas.microsoft.com/office/drawing/2017/decorative" val="1"/>
+              </a:ext>
+            </a:extLst>
+          </p:cNvPr>
+          <p:cNvSpPr>
+            <a:spLocks noGrp="1" noRot="1" noChangeAspect="1" noMove="1" noResize="1" noEditPoints="1" noAdjustHandles="1" noChangeArrowheads="1" noChangeShapeType="1" noTextEdit="1"/>
+          </p:cNvSpPr>
+          <p:nvPr>
+            <p:extLst>
+              <p:ext uri="{386F3935-93C4-4BCD-93E2-E3B085C9AB24}">
+                <p16:designElem xmlns:p16="http://schemas.microsoft.com/office/powerpoint/2015/main" val="1"/>
+              </p:ext>
+            </p:extLst>
+          </p:nvPr>
+        </p:nvSpPr>
+        <p:spPr>
+          <a:xfrm>
+            <a:off x="0" y="0"/>
+            <a:ext cx="12192000" cy="6858000"/>
+          </a:xfrm>
+          <a:prstGeom prst="rect">
+            <a:avLst/>
+          </a:prstGeom>
+          <a:ln>
+            <a:noFill/>
+          </a:ln>
+        </p:spPr>
+        <p:style>
+          <a:lnRef idx="2">
+            <a:schemeClr val="accent1">
+              <a:shade val="50000"/>
+            </a:schemeClr>
+          </a:lnRef>
+          <a:fillRef idx="1">
+            <a:schemeClr val="accent1"/>
+          </a:fillRef>
+          <a:effectRef idx="0">
+            <a:schemeClr val="accent1"/>
+          </a:effectRef>
+          <a:fontRef idx="minor">
+            <a:schemeClr val="lt1"/>
+          </a:fontRef>
+        </p:style>
+        <p:txBody>
+          <a:bodyPr rtlCol="0" anchor="ctr"/>
+          <a:lstStyle/>
+          <a:p>
+            <a:pPr algn="ctr"/>
+            <a:endParaRPr lang="en-US"/>
+          </a:p>
+        </p:txBody>
+      </p:sp>
       <p:sp>
         <p:nvSpPr>
           <p:cNvPr id="2" name="제목 1">
@@ -6737,16 +9409,296 @@
             <p:ph type="title"/>
           </p:nvPr>
         </p:nvSpPr>
-        <p:spPr/>
+        <p:spPr>
+          <a:xfrm>
+            <a:off x="630936" y="640080"/>
+            <a:ext cx="4818888" cy="1481328"/>
+          </a:xfrm>
+        </p:spPr>
         <p:txBody>
-          <a:bodyPr/>
+          <a:bodyPr anchor="b">
+            <a:normAutofit/>
+          </a:bodyPr>
           <a:lstStyle/>
           <a:p>
             <a:r>
-              <a:rPr lang="en-US" altLang="ko-KR" dirty="0"/>
+              <a:rPr lang="en-US" altLang="ko-KR" sz="5400"/>
               <a:t>Control</a:t>
             </a:r>
-            <a:endParaRPr lang="ko-KR" altLang="en-US" dirty="0"/>
+            <a:endParaRPr lang="ko-KR" altLang="en-US" sz="5400"/>
+          </a:p>
+        </p:txBody>
+      </p:sp>
+      <p:sp>
+        <p:nvSpPr>
+          <p:cNvPr id="1033" name="sketch line">
+            <a:extLst>
+              <a:ext uri="{FF2B5EF4-FFF2-40B4-BE49-F238E27FC236}">
+                <a16:creationId xmlns:a16="http://schemas.microsoft.com/office/drawing/2014/main" id="{71877DBC-BB60-40F0-AC93-2ACDBAAE60CE}"/>
+              </a:ext>
+              <a:ext uri="{C183D7F6-B498-43B3-948B-1728B52AA6E4}">
+                <adec:decorative xmlns:adec="http://schemas.microsoft.com/office/drawing/2017/decorative" val="1"/>
+              </a:ext>
+            </a:extLst>
+          </p:cNvPr>
+          <p:cNvSpPr>
+            <a:spLocks noGrp="1" noRot="1" noChangeAspect="1" noMove="1" noResize="1" noEditPoints="1" noAdjustHandles="1" noChangeArrowheads="1" noChangeShapeType="1" noTextEdit="1"/>
+          </p:cNvSpPr>
+          <p:nvPr>
+            <p:extLst>
+              <p:ext uri="{386F3935-93C4-4BCD-93E2-E3B085C9AB24}">
+                <p16:designElem xmlns:p16="http://schemas.microsoft.com/office/powerpoint/2015/main" val="1"/>
+              </p:ext>
+            </p:extLst>
+          </p:nvPr>
+        </p:nvSpPr>
+        <p:spPr>
+          <a:xfrm>
+            <a:off x="643278" y="2372868"/>
+            <a:ext cx="3255095" cy="18288"/>
+          </a:xfrm>
+          <a:custGeom>
+            <a:avLst/>
+            <a:gdLst>
+              <a:gd name="connsiteX0" fmla="*/ 0 w 3255095"/>
+              <a:gd name="connsiteY0" fmla="*/ 0 h 18288"/>
+              <a:gd name="connsiteX1" fmla="*/ 618468 w 3255095"/>
+              <a:gd name="connsiteY1" fmla="*/ 0 h 18288"/>
+              <a:gd name="connsiteX2" fmla="*/ 1269487 w 3255095"/>
+              <a:gd name="connsiteY2" fmla="*/ 0 h 18288"/>
+              <a:gd name="connsiteX3" fmla="*/ 1953057 w 3255095"/>
+              <a:gd name="connsiteY3" fmla="*/ 0 h 18288"/>
+              <a:gd name="connsiteX4" fmla="*/ 2636627 w 3255095"/>
+              <a:gd name="connsiteY4" fmla="*/ 0 h 18288"/>
+              <a:gd name="connsiteX5" fmla="*/ 3255095 w 3255095"/>
+              <a:gd name="connsiteY5" fmla="*/ 0 h 18288"/>
+              <a:gd name="connsiteX6" fmla="*/ 3255095 w 3255095"/>
+              <a:gd name="connsiteY6" fmla="*/ 18288 h 18288"/>
+              <a:gd name="connsiteX7" fmla="*/ 2538974 w 3255095"/>
+              <a:gd name="connsiteY7" fmla="*/ 18288 h 18288"/>
+              <a:gd name="connsiteX8" fmla="*/ 1822853 w 3255095"/>
+              <a:gd name="connsiteY8" fmla="*/ 18288 h 18288"/>
+              <a:gd name="connsiteX9" fmla="*/ 1171834 w 3255095"/>
+              <a:gd name="connsiteY9" fmla="*/ 18288 h 18288"/>
+              <a:gd name="connsiteX10" fmla="*/ 0 w 3255095"/>
+              <a:gd name="connsiteY10" fmla="*/ 18288 h 18288"/>
+              <a:gd name="connsiteX11" fmla="*/ 0 w 3255095"/>
+              <a:gd name="connsiteY11" fmla="*/ 0 h 18288"/>
+            </a:gdLst>
+            <a:ahLst/>
+            <a:cxnLst>
+              <a:cxn ang="0">
+                <a:pos x="connsiteX0" y="connsiteY0"/>
+              </a:cxn>
+              <a:cxn ang="0">
+                <a:pos x="connsiteX1" y="connsiteY1"/>
+              </a:cxn>
+              <a:cxn ang="0">
+                <a:pos x="connsiteX2" y="connsiteY2"/>
+              </a:cxn>
+              <a:cxn ang="0">
+                <a:pos x="connsiteX3" y="connsiteY3"/>
+              </a:cxn>
+              <a:cxn ang="0">
+                <a:pos x="connsiteX4" y="connsiteY4"/>
+              </a:cxn>
+              <a:cxn ang="0">
+                <a:pos x="connsiteX5" y="connsiteY5"/>
+              </a:cxn>
+              <a:cxn ang="0">
+                <a:pos x="connsiteX6" y="connsiteY6"/>
+              </a:cxn>
+              <a:cxn ang="0">
+                <a:pos x="connsiteX7" y="connsiteY7"/>
+              </a:cxn>
+              <a:cxn ang="0">
+                <a:pos x="connsiteX8" y="connsiteY8"/>
+              </a:cxn>
+              <a:cxn ang="0">
+                <a:pos x="connsiteX9" y="connsiteY9"/>
+              </a:cxn>
+              <a:cxn ang="0">
+                <a:pos x="connsiteX10" y="connsiteY10"/>
+              </a:cxn>
+              <a:cxn ang="0">
+                <a:pos x="connsiteX11" y="connsiteY11"/>
+              </a:cxn>
+            </a:cxnLst>
+            <a:rect l="l" t="t" r="r" b="b"/>
+            <a:pathLst>
+              <a:path w="3255095" h="18288" fill="none" extrusionOk="0">
+                <a:moveTo>
+                  <a:pt x="0" y="0"/>
+                </a:moveTo>
+                <a:cubicBezTo>
+                  <a:pt x="240201" y="-22123"/>
+                  <a:pt x="462021" y="-19623"/>
+                  <a:pt x="618468" y="0"/>
+                </a:cubicBezTo>
+                <a:cubicBezTo>
+                  <a:pt x="774915" y="19623"/>
+                  <a:pt x="974734" y="2035"/>
+                  <a:pt x="1269487" y="0"/>
+                </a:cubicBezTo>
+                <a:cubicBezTo>
+                  <a:pt x="1564240" y="-2035"/>
+                  <a:pt x="1733579" y="10639"/>
+                  <a:pt x="1953057" y="0"/>
+                </a:cubicBezTo>
+                <a:cubicBezTo>
+                  <a:pt x="2172535" y="-10639"/>
+                  <a:pt x="2453962" y="14018"/>
+                  <a:pt x="2636627" y="0"/>
+                </a:cubicBezTo>
+                <a:cubicBezTo>
+                  <a:pt x="2819292" y="-14018"/>
+                  <a:pt x="3121375" y="5399"/>
+                  <a:pt x="3255095" y="0"/>
+                </a:cubicBezTo>
+                <a:cubicBezTo>
+                  <a:pt x="3254386" y="8157"/>
+                  <a:pt x="3254682" y="12125"/>
+                  <a:pt x="3255095" y="18288"/>
+                </a:cubicBezTo>
+                <a:cubicBezTo>
+                  <a:pt x="3088545" y="23203"/>
+                  <a:pt x="2687475" y="7419"/>
+                  <a:pt x="2538974" y="18288"/>
+                </a:cubicBezTo>
+                <a:cubicBezTo>
+                  <a:pt x="2390473" y="29157"/>
+                  <a:pt x="2137381" y="-8959"/>
+                  <a:pt x="1822853" y="18288"/>
+                </a:cubicBezTo>
+                <a:cubicBezTo>
+                  <a:pt x="1508325" y="45535"/>
+                  <a:pt x="1466437" y="20385"/>
+                  <a:pt x="1171834" y="18288"/>
+                </a:cubicBezTo>
+                <a:cubicBezTo>
+                  <a:pt x="877231" y="16191"/>
+                  <a:pt x="561097" y="37643"/>
+                  <a:pt x="0" y="18288"/>
+                </a:cubicBezTo>
+                <a:cubicBezTo>
+                  <a:pt x="-46" y="12483"/>
+                  <a:pt x="-203" y="6491"/>
+                  <a:pt x="0" y="0"/>
+                </a:cubicBezTo>
+                <a:close/>
+              </a:path>
+              <a:path w="3255095" h="18288" stroke="0" extrusionOk="0">
+                <a:moveTo>
+                  <a:pt x="0" y="0"/>
+                </a:moveTo>
+                <a:cubicBezTo>
+                  <a:pt x="291965" y="19429"/>
+                  <a:pt x="363155" y="8568"/>
+                  <a:pt x="618468" y="0"/>
+                </a:cubicBezTo>
+                <a:cubicBezTo>
+                  <a:pt x="873781" y="-8568"/>
+                  <a:pt x="904459" y="-19505"/>
+                  <a:pt x="1171834" y="0"/>
+                </a:cubicBezTo>
+                <a:cubicBezTo>
+                  <a:pt x="1439209" y="19505"/>
+                  <a:pt x="1744369" y="9790"/>
+                  <a:pt x="1887955" y="0"/>
+                </a:cubicBezTo>
+                <a:cubicBezTo>
+                  <a:pt x="2031541" y="-9790"/>
+                  <a:pt x="2346378" y="21240"/>
+                  <a:pt x="2506423" y="0"/>
+                </a:cubicBezTo>
+                <a:cubicBezTo>
+                  <a:pt x="2666468" y="-21240"/>
+                  <a:pt x="2990257" y="30414"/>
+                  <a:pt x="3255095" y="0"/>
+                </a:cubicBezTo>
+                <a:cubicBezTo>
+                  <a:pt x="3254831" y="4493"/>
+                  <a:pt x="3255479" y="9472"/>
+                  <a:pt x="3255095" y="18288"/>
+                </a:cubicBezTo>
+                <a:cubicBezTo>
+                  <a:pt x="3120743" y="16690"/>
+                  <a:pt x="2759628" y="42462"/>
+                  <a:pt x="2604076" y="18288"/>
+                </a:cubicBezTo>
+                <a:cubicBezTo>
+                  <a:pt x="2448524" y="-5886"/>
+                  <a:pt x="2184336" y="19599"/>
+                  <a:pt x="1887955" y="18288"/>
+                </a:cubicBezTo>
+                <a:cubicBezTo>
+                  <a:pt x="1591574" y="16977"/>
+                  <a:pt x="1548845" y="6870"/>
+                  <a:pt x="1334589" y="18288"/>
+                </a:cubicBezTo>
+                <a:cubicBezTo>
+                  <a:pt x="1120333" y="29706"/>
+                  <a:pt x="996014" y="9662"/>
+                  <a:pt x="683570" y="18288"/>
+                </a:cubicBezTo>
+                <a:cubicBezTo>
+                  <a:pt x="371126" y="26914"/>
+                  <a:pt x="198687" y="16167"/>
+                  <a:pt x="0" y="18288"/>
+                </a:cubicBezTo>
+                <a:cubicBezTo>
+                  <a:pt x="843" y="9577"/>
+                  <a:pt x="371" y="6900"/>
+                  <a:pt x="0" y="0"/>
+                </a:cubicBezTo>
+                <a:close/>
+              </a:path>
+            </a:pathLst>
+          </a:custGeom>
+          <a:solidFill>
+            <a:schemeClr val="accent2"/>
+          </a:solidFill>
+          <a:ln w="38100" cap="rnd">
+            <a:solidFill>
+              <a:schemeClr val="accent2"/>
+            </a:solidFill>
+            <a:round/>
+            <a:extLst>
+              <a:ext uri="{C807C97D-BFC1-408E-A445-0C87EB9F89A2}">
+                <ask:lineSketchStyleProps xmlns:ask="http://schemas.microsoft.com/office/drawing/2018/sketchyshapes" sd="1219033472">
+                  <a:prstGeom prst="rect">
+                    <a:avLst/>
+                  </a:prstGeom>
+                  <ask:type>
+                    <ask:lineSketchFreehand/>
+                  </ask:type>
+                </ask:lineSketchStyleProps>
+              </a:ext>
+            </a:extLst>
+          </a:ln>
+        </p:spPr>
+        <p:style>
+          <a:lnRef idx="2">
+            <a:schemeClr val="accent1">
+              <a:shade val="50000"/>
+            </a:schemeClr>
+          </a:lnRef>
+          <a:fillRef idx="1">
+            <a:schemeClr val="accent1"/>
+          </a:fillRef>
+          <a:effectRef idx="0">
+            <a:schemeClr val="accent1"/>
+          </a:effectRef>
+          <a:fontRef idx="minor">
+            <a:schemeClr val="lt1"/>
+          </a:fontRef>
+        </p:style>
+        <p:txBody>
+          <a:bodyPr rtlCol="0" anchor="ctr"/>
+          <a:lstStyle/>
+          <a:p>
+            <a:pPr algn="ctr"/>
+            <a:endParaRPr lang="en-US"/>
           </a:p>
         </p:txBody>
       </p:sp>
@@ -6766,61 +9718,774 @@
             <p:ph idx="1"/>
           </p:nvPr>
         </p:nvSpPr>
-        <p:spPr/>
+        <p:spPr>
+          <a:xfrm>
+            <a:off x="630936" y="2660904"/>
+            <a:ext cx="4818888" cy="3547872"/>
+          </a:xfrm>
+        </p:spPr>
         <p:txBody>
-          <a:bodyPr/>
+          <a:bodyPr anchor="t">
+            <a:normAutofit/>
+          </a:bodyPr>
           <a:lstStyle/>
           <a:p>
             <a:r>
-              <a:rPr lang="en-US" altLang="ko-KR" dirty="0"/>
+              <a:rPr lang="en-US" altLang="ko-KR" sz="2200"/>
               <a:t>User interface</a:t>
             </a:r>
             <a:r>
-              <a:rPr lang="ko-KR" altLang="en-US" dirty="0"/>
+              <a:rPr lang="ko-KR" altLang="en-US" sz="2200"/>
               <a:t>를 담당하는 기본 객체</a:t>
             </a:r>
-            <a:endParaRPr lang="en-US" altLang="ko-KR" dirty="0"/>
+            <a:endParaRPr lang="en-US" altLang="ko-KR" sz="2200"/>
           </a:p>
           <a:p>
             <a:r>
-              <a:rPr lang="en-US" altLang="ko-KR" dirty="0" err="1"/>
+              <a:rPr lang="en-US" altLang="ko-KR" sz="2200"/>
               <a:t>CView</a:t>
             </a:r>
             <a:r>
-              <a:rPr lang="ko-KR" altLang="en-US" dirty="0"/>
+              <a:rPr lang="ko-KR" altLang="en-US" sz="2200"/>
               <a:t>는 </a:t>
             </a:r>
             <a:r>
-              <a:rPr lang="en-US" altLang="ko-KR" dirty="0"/>
+              <a:rPr lang="en-US" altLang="ko-KR" sz="2200"/>
               <a:t>control</a:t>
             </a:r>
             <a:r>
-              <a:rPr lang="ko-KR" altLang="en-US" dirty="0"/>
+              <a:rPr lang="ko-KR" altLang="en-US" sz="2200"/>
               <a:t>을 관리 가능</a:t>
             </a:r>
             <a:r>
-              <a:rPr lang="en-US" altLang="ko-KR" dirty="0"/>
+              <a:rPr lang="en-US" altLang="ko-KR" sz="2200"/>
               <a:t>; control</a:t>
             </a:r>
             <a:r>
-              <a:rPr lang="ko-KR" altLang="en-US" dirty="0"/>
+              <a:rPr lang="ko-KR" altLang="en-US" sz="2200"/>
               <a:t>은 </a:t>
             </a:r>
             <a:r>
-              <a:rPr lang="en-US" altLang="ko-KR" dirty="0" err="1"/>
+              <a:rPr lang="en-US" altLang="ko-KR" sz="2200"/>
               <a:t>CView</a:t>
             </a:r>
             <a:r>
-              <a:rPr lang="ko-KR" altLang="en-US" dirty="0"/>
+              <a:rPr lang="ko-KR" altLang="en-US" sz="2200"/>
               <a:t>를 관리할 수 없음</a:t>
             </a:r>
           </a:p>
         </p:txBody>
       </p:sp>
+      <p:pic>
+        <p:nvPicPr>
+          <p:cNvPr id="1026" name="Picture 2" descr="The MFC programming tutorial on the Modal Dialog and Windows Common Controls  using the MFC classes and libraries for Windows GUI interface">
+            <a:extLst>
+              <a:ext uri="{FF2B5EF4-FFF2-40B4-BE49-F238E27FC236}">
+                <a16:creationId xmlns:a16="http://schemas.microsoft.com/office/drawing/2014/main" id="{D37C1C27-0726-8C26-015F-4FF5294F7AC5}"/>
+              </a:ext>
+            </a:extLst>
+          </p:cNvPr>
+          <p:cNvPicPr>
+            <a:picLocks noChangeAspect="1" noChangeArrowheads="1"/>
+          </p:cNvPicPr>
+          <p:nvPr/>
+        </p:nvPicPr>
+        <p:blipFill>
+          <a:blip r:embed="rId2">
+            <a:extLst>
+              <a:ext uri="{28A0092B-C50C-407E-A947-70E740481C1C}">
+                <a14:useLocalDpi xmlns:a14="http://schemas.microsoft.com/office/drawing/2010/main" val="0"/>
+              </a:ext>
+            </a:extLst>
+          </a:blip>
+          <a:stretch>
+            <a:fillRect/>
+          </a:stretch>
+        </p:blipFill>
+        <p:spPr bwMode="auto">
+          <a:xfrm>
+            <a:off x="6099048" y="1606395"/>
+            <a:ext cx="5458968" cy="3645210"/>
+          </a:xfrm>
+          <a:prstGeom prst="rect">
+            <a:avLst/>
+          </a:prstGeom>
+          <a:noFill/>
+          <a:extLst>
+            <a:ext uri="{909E8E84-426E-40DD-AFC4-6F175D3DCCD1}">
+              <a14:hiddenFill xmlns:a14="http://schemas.microsoft.com/office/drawing/2010/main">
+                <a:solidFill>
+                  <a:srgbClr val="FFFFFF"/>
+                </a:solidFill>
+              </a14:hiddenFill>
+            </a:ext>
+          </a:extLst>
+        </p:spPr>
+      </p:pic>
     </p:spTree>
     <p:extLst>
       <p:ext uri="{BB962C8B-B14F-4D97-AF65-F5344CB8AC3E}">
         <p14:creationId xmlns:p14="http://schemas.microsoft.com/office/powerpoint/2010/main" val="1881202740"/>
+      </p:ext>
+    </p:extLst>
+  </p:cSld>
+  <p:clrMapOvr>
+    <a:masterClrMapping/>
+  </p:clrMapOvr>
+</p:sld>
+</file>
+
+<file path=ppt/slides/slide4.xml><?xml version="1.0" encoding="utf-8"?>
+<p:sld xmlns:a="http://schemas.openxmlformats.org/drawingml/2006/main" xmlns:r="http://schemas.openxmlformats.org/officeDocument/2006/relationships" xmlns:p="http://schemas.openxmlformats.org/presentationml/2006/main">
+  <p:cSld>
+    <p:bg>
+      <p:bgPr>
+        <a:solidFill>
+          <a:schemeClr val="bg1"/>
+        </a:solidFill>
+        <a:effectLst/>
+      </p:bgPr>
+    </p:bg>
+    <p:spTree>
+      <p:nvGrpSpPr>
+        <p:cNvPr id="1" name=""/>
+        <p:cNvGrpSpPr/>
+        <p:nvPr/>
+      </p:nvGrpSpPr>
+      <p:grpSpPr>
+        <a:xfrm>
+          <a:off x="0" y="0"/>
+          <a:ext cx="0" cy="0"/>
+          <a:chOff x="0" y="0"/>
+          <a:chExt cx="0" cy="0"/>
+        </a:xfrm>
+      </p:grpSpPr>
+      <p:sp useBgFill="1">
+        <p:nvSpPr>
+          <p:cNvPr id="9" name="Rectangle 8">
+            <a:extLst>
+              <a:ext uri="{FF2B5EF4-FFF2-40B4-BE49-F238E27FC236}">
+                <a16:creationId xmlns:a16="http://schemas.microsoft.com/office/drawing/2014/main" id="{BACC6370-2D7E-4714-9D71-7542949D7D5D}"/>
+              </a:ext>
+              <a:ext uri="{C183D7F6-B498-43B3-948B-1728B52AA6E4}">
+                <adec:decorative xmlns:adec="http://schemas.microsoft.com/office/drawing/2017/decorative" val="1"/>
+              </a:ext>
+            </a:extLst>
+          </p:cNvPr>
+          <p:cNvSpPr>
+            <a:spLocks noGrp="1" noRot="1" noChangeAspect="1" noMove="1" noResize="1" noEditPoints="1" noAdjustHandles="1" noChangeArrowheads="1" noChangeShapeType="1" noTextEdit="1"/>
+          </p:cNvSpPr>
+          <p:nvPr>
+            <p:extLst>
+              <p:ext uri="{386F3935-93C4-4BCD-93E2-E3B085C9AB24}">
+                <p16:designElem xmlns:p16="http://schemas.microsoft.com/office/powerpoint/2015/main" val="1"/>
+              </p:ext>
+            </p:extLst>
+          </p:nvPr>
+        </p:nvSpPr>
+        <p:spPr>
+          <a:xfrm>
+            <a:off x="0" y="0"/>
+            <a:ext cx="12192000" cy="6858000"/>
+          </a:xfrm>
+          <a:prstGeom prst="rect">
+            <a:avLst/>
+          </a:prstGeom>
+          <a:ln w="12700" cap="flat" cmpd="sng" algn="ctr">
+            <a:noFill/>
+            <a:prstDash val="solid"/>
+            <a:miter lim="800000"/>
+          </a:ln>
+          <a:effectLst/>
+          <a:extLst>
+            <a:ext uri="{91240B29-F687-4F45-9708-019B960494DF}">
+              <a14:hiddenLine xmlns:a14="http://schemas.microsoft.com/office/drawing/2010/main" w="12700" cap="flat" cmpd="sng" algn="ctr">
+                <a:solidFill>
+                  <a:schemeClr val="accent1">
+                    <a:shade val="50000"/>
+                  </a:schemeClr>
+                </a:solidFill>
+                <a:prstDash val="solid"/>
+                <a:miter lim="800000"/>
+              </a14:hiddenLine>
+            </a:ext>
+          </a:extLst>
+        </p:spPr>
+        <p:style>
+          <a:lnRef idx="2">
+            <a:schemeClr val="accent1">
+              <a:shade val="50000"/>
+            </a:schemeClr>
+          </a:lnRef>
+          <a:fillRef idx="1">
+            <a:schemeClr val="accent1"/>
+          </a:fillRef>
+          <a:effectRef idx="0">
+            <a:schemeClr val="accent1"/>
+          </a:effectRef>
+          <a:fontRef idx="minor">
+            <a:schemeClr val="lt1"/>
+          </a:fontRef>
+        </p:style>
+        <p:txBody>
+          <a:bodyPr rtlCol="0" anchor="ctr"/>
+          <a:lstStyle/>
+          <a:p>
+            <a:pPr algn="ctr"/>
+            <a:endParaRPr lang="en-US"/>
+          </a:p>
+        </p:txBody>
+      </p:sp>
+      <p:sp>
+        <p:nvSpPr>
+          <p:cNvPr id="11" name="Rectangle 10">
+            <a:extLst>
+              <a:ext uri="{FF2B5EF4-FFF2-40B4-BE49-F238E27FC236}">
+                <a16:creationId xmlns:a16="http://schemas.microsoft.com/office/drawing/2014/main" id="{256B2C21-A230-48C0-8DF1-C46611373C44}"/>
+              </a:ext>
+              <a:ext uri="{C183D7F6-B498-43B3-948B-1728B52AA6E4}">
+                <adec:decorative xmlns:adec="http://schemas.microsoft.com/office/drawing/2017/decorative" val="1"/>
+              </a:ext>
+            </a:extLst>
+          </p:cNvPr>
+          <p:cNvSpPr>
+            <a:spLocks noGrp="1" noRot="1" noChangeAspect="1" noMove="1" noResize="1" noEditPoints="1" noAdjustHandles="1" noChangeArrowheads="1" noChangeShapeType="1" noTextEdit="1"/>
+          </p:cNvSpPr>
+          <p:nvPr>
+            <p:extLst>
+              <p:ext uri="{386F3935-93C4-4BCD-93E2-E3B085C9AB24}">
+                <p16:designElem xmlns:p16="http://schemas.microsoft.com/office/powerpoint/2015/main" val="1"/>
+              </p:ext>
+            </p:extLst>
+          </p:nvPr>
+        </p:nvSpPr>
+        <p:spPr>
+          <a:xfrm rot="5400000" flipH="1">
+            <a:off x="-1410084" y="1410082"/>
+            <a:ext cx="6858000" cy="4037836"/>
+          </a:xfrm>
+          <a:prstGeom prst="rect">
+            <a:avLst/>
+          </a:prstGeom>
+          <a:gradFill>
+            <a:gsLst>
+              <a:gs pos="8000">
+                <a:srgbClr val="000000"/>
+              </a:gs>
+              <a:gs pos="100000">
+                <a:schemeClr val="accent1">
+                  <a:lumMod val="75000"/>
+                </a:schemeClr>
+              </a:gs>
+            </a:gsLst>
+            <a:lin ang="3000000" scaled="0"/>
+          </a:gradFill>
+          <a:ln>
+            <a:noFill/>
+          </a:ln>
+        </p:spPr>
+        <p:style>
+          <a:lnRef idx="2">
+            <a:schemeClr val="accent1">
+              <a:shade val="50000"/>
+            </a:schemeClr>
+          </a:lnRef>
+          <a:fillRef idx="1">
+            <a:schemeClr val="accent1"/>
+          </a:fillRef>
+          <a:effectRef idx="0">
+            <a:schemeClr val="accent1"/>
+          </a:effectRef>
+          <a:fontRef idx="minor">
+            <a:schemeClr val="lt1"/>
+          </a:fontRef>
+        </p:style>
+        <p:txBody>
+          <a:bodyPr rtlCol="0" anchor="ctr"/>
+          <a:lstStyle/>
+          <a:p>
+            <a:pPr algn="ctr"/>
+            <a:endParaRPr lang="en-US"/>
+          </a:p>
+        </p:txBody>
+      </p:sp>
+      <p:sp>
+        <p:nvSpPr>
+          <p:cNvPr id="13" name="Rectangle 12">
+            <a:extLst>
+              <a:ext uri="{FF2B5EF4-FFF2-40B4-BE49-F238E27FC236}">
+                <a16:creationId xmlns:a16="http://schemas.microsoft.com/office/drawing/2014/main" id="{3847E18C-932D-4C95-AABA-FEC7C9499AD7}"/>
+              </a:ext>
+              <a:ext uri="{C183D7F6-B498-43B3-948B-1728B52AA6E4}">
+                <adec:decorative xmlns:adec="http://schemas.microsoft.com/office/drawing/2017/decorative" val="1"/>
+              </a:ext>
+            </a:extLst>
+          </p:cNvPr>
+          <p:cNvSpPr>
+            <a:spLocks noGrp="1" noRot="1" noChangeAspect="1" noMove="1" noResize="1" noEditPoints="1" noAdjustHandles="1" noChangeArrowheads="1" noChangeShapeType="1" noTextEdit="1"/>
+          </p:cNvSpPr>
+          <p:nvPr>
+            <p:extLst>
+              <p:ext uri="{386F3935-93C4-4BCD-93E2-E3B085C9AB24}">
+                <p16:designElem xmlns:p16="http://schemas.microsoft.com/office/powerpoint/2015/main" val="1"/>
+              </p:ext>
+            </p:extLst>
+          </p:nvPr>
+        </p:nvSpPr>
+        <p:spPr>
+          <a:xfrm rot="5400000" flipH="1">
+            <a:off x="-1410085" y="1420219"/>
+            <a:ext cx="6857999" cy="4037839"/>
+          </a:xfrm>
+          <a:prstGeom prst="rect">
+            <a:avLst/>
+          </a:prstGeom>
+          <a:gradFill>
+            <a:gsLst>
+              <a:gs pos="0">
+                <a:srgbClr val="000000">
+                  <a:alpha val="0"/>
+                </a:srgbClr>
+              </a:gs>
+              <a:gs pos="99000">
+                <a:schemeClr val="accent1">
+                  <a:alpha val="46000"/>
+                </a:schemeClr>
+              </a:gs>
+            </a:gsLst>
+            <a:lin ang="1800000" scaled="0"/>
+          </a:gradFill>
+          <a:ln>
+            <a:noFill/>
+          </a:ln>
+        </p:spPr>
+        <p:style>
+          <a:lnRef idx="2">
+            <a:schemeClr val="accent1">
+              <a:shade val="50000"/>
+            </a:schemeClr>
+          </a:lnRef>
+          <a:fillRef idx="1">
+            <a:schemeClr val="accent1"/>
+          </a:fillRef>
+          <a:effectRef idx="0">
+            <a:schemeClr val="accent1"/>
+          </a:effectRef>
+          <a:fontRef idx="minor">
+            <a:schemeClr val="lt1"/>
+          </a:fontRef>
+        </p:style>
+        <p:txBody>
+          <a:bodyPr rtlCol="0" anchor="ctr"/>
+          <a:lstStyle/>
+          <a:p>
+            <a:pPr algn="ctr"/>
+            <a:endParaRPr lang="en-US"/>
+          </a:p>
+        </p:txBody>
+      </p:sp>
+      <p:sp>
+        <p:nvSpPr>
+          <p:cNvPr id="15" name="Rectangle 14">
+            <a:extLst>
+              <a:ext uri="{FF2B5EF4-FFF2-40B4-BE49-F238E27FC236}">
+                <a16:creationId xmlns:a16="http://schemas.microsoft.com/office/drawing/2014/main" id="{3150CB11-0C61-439E-910F-5787759E72A0}"/>
+              </a:ext>
+              <a:ext uri="{C183D7F6-B498-43B3-948B-1728B52AA6E4}">
+                <adec:decorative xmlns:adec="http://schemas.microsoft.com/office/drawing/2017/decorative" val="1"/>
+              </a:ext>
+            </a:extLst>
+          </p:cNvPr>
+          <p:cNvSpPr>
+            <a:spLocks noGrp="1" noRot="1" noChangeAspect="1" noMove="1" noResize="1" noEditPoints="1" noAdjustHandles="1" noChangeArrowheads="1" noChangeShapeType="1" noTextEdit="1"/>
+          </p:cNvSpPr>
+          <p:nvPr>
+            <p:extLst>
+              <p:ext uri="{386F3935-93C4-4BCD-93E2-E3B085C9AB24}">
+                <p16:designElem xmlns:p16="http://schemas.microsoft.com/office/powerpoint/2015/main" val="1"/>
+              </p:ext>
+            </p:extLst>
+          </p:nvPr>
+        </p:nvSpPr>
+        <p:spPr>
+          <a:xfrm rot="5400000" flipH="1">
+            <a:off x="767923" y="3588085"/>
+            <a:ext cx="2501979" cy="4037841"/>
+          </a:xfrm>
+          <a:prstGeom prst="rect">
+            <a:avLst/>
+          </a:prstGeom>
+          <a:gradFill>
+            <a:gsLst>
+              <a:gs pos="2000">
+                <a:schemeClr val="accent1">
+                  <a:alpha val="29000"/>
+                </a:schemeClr>
+              </a:gs>
+              <a:gs pos="100000">
+                <a:srgbClr val="000000">
+                  <a:alpha val="30000"/>
+                </a:srgbClr>
+              </a:gs>
+            </a:gsLst>
+            <a:lin ang="7800000" scaled="0"/>
+          </a:gradFill>
+          <a:ln>
+            <a:noFill/>
+          </a:ln>
+        </p:spPr>
+        <p:style>
+          <a:lnRef idx="2">
+            <a:schemeClr val="accent1">
+              <a:shade val="50000"/>
+            </a:schemeClr>
+          </a:lnRef>
+          <a:fillRef idx="1">
+            <a:schemeClr val="accent1"/>
+          </a:fillRef>
+          <a:effectRef idx="0">
+            <a:schemeClr val="accent1"/>
+          </a:effectRef>
+          <a:fontRef idx="minor">
+            <a:schemeClr val="lt1"/>
+          </a:fontRef>
+        </p:style>
+        <p:txBody>
+          <a:bodyPr rtlCol="0" anchor="ctr"/>
+          <a:lstStyle/>
+          <a:p>
+            <a:pPr algn="ctr"/>
+            <a:endParaRPr lang="en-US" dirty="0"/>
+          </a:p>
+        </p:txBody>
+      </p:sp>
+      <p:sp>
+        <p:nvSpPr>
+          <p:cNvPr id="17" name="Freeform: Shape 16">
+            <a:extLst>
+              <a:ext uri="{FF2B5EF4-FFF2-40B4-BE49-F238E27FC236}">
+                <a16:creationId xmlns:a16="http://schemas.microsoft.com/office/drawing/2014/main" id="{43F8A58B-5155-44CE-A5FF-7647B47D0A7A}"/>
+              </a:ext>
+              <a:ext uri="{C183D7F6-B498-43B3-948B-1728B52AA6E4}">
+                <adec:decorative xmlns:adec="http://schemas.microsoft.com/office/drawing/2017/decorative" val="1"/>
+              </a:ext>
+            </a:extLst>
+          </p:cNvPr>
+          <p:cNvSpPr>
+            <a:spLocks noGrp="1" noRot="1" noChangeAspect="1" noMove="1" noResize="1" noEditPoints="1" noAdjustHandles="1" noChangeArrowheads="1" noChangeShapeType="1" noTextEdit="1"/>
+          </p:cNvSpPr>
+          <p:nvPr>
+            <p:extLst>
+              <p:ext uri="{386F3935-93C4-4BCD-93E2-E3B085C9AB24}">
+                <p16:designElem xmlns:p16="http://schemas.microsoft.com/office/powerpoint/2015/main" val="1"/>
+              </p:ext>
+            </p:extLst>
+          </p:nvPr>
+        </p:nvSpPr>
+        <p:spPr>
+          <a:xfrm rot="20635413">
+            <a:off x="-501737" y="969718"/>
+            <a:ext cx="3900357" cy="4178958"/>
+          </a:xfrm>
+          <a:custGeom>
+            <a:avLst/>
+            <a:gdLst>
+              <a:gd name="connsiteX0" fmla="*/ 2432225 w 3900357"/>
+              <a:gd name="connsiteY0" fmla="*/ 93939 h 4178958"/>
+              <a:gd name="connsiteX1" fmla="*/ 3900357 w 3900357"/>
+              <a:gd name="connsiteY1" fmla="*/ 2089479 h 4178958"/>
+              <a:gd name="connsiteX2" fmla="*/ 1810878 w 3900357"/>
+              <a:gd name="connsiteY2" fmla="*/ 4178958 h 4178958"/>
+              <a:gd name="connsiteX3" fmla="*/ 78249 w 3900357"/>
+              <a:gd name="connsiteY3" fmla="*/ 3257727 h 4178958"/>
+              <a:gd name="connsiteX4" fmla="*/ 0 w 3900357"/>
+              <a:gd name="connsiteY4" fmla="*/ 3128923 h 4178958"/>
+              <a:gd name="connsiteX5" fmla="*/ 831324 w 3900357"/>
+              <a:gd name="connsiteY5" fmla="*/ 244281 h 4178958"/>
+              <a:gd name="connsiteX6" fmla="*/ 997559 w 3900357"/>
+              <a:gd name="connsiteY6" fmla="*/ 164202 h 4178958"/>
+              <a:gd name="connsiteX7" fmla="*/ 1810878 w 3900357"/>
+              <a:gd name="connsiteY7" fmla="*/ 0 h 4178958"/>
+              <a:gd name="connsiteX8" fmla="*/ 2432225 w 3900357"/>
+              <a:gd name="connsiteY8" fmla="*/ 93939 h 4178958"/>
+            </a:gdLst>
+            <a:ahLst/>
+            <a:cxnLst>
+              <a:cxn ang="0">
+                <a:pos x="connsiteX0" y="connsiteY0"/>
+              </a:cxn>
+              <a:cxn ang="0">
+                <a:pos x="connsiteX1" y="connsiteY1"/>
+              </a:cxn>
+              <a:cxn ang="0">
+                <a:pos x="connsiteX2" y="connsiteY2"/>
+              </a:cxn>
+              <a:cxn ang="0">
+                <a:pos x="connsiteX3" y="connsiteY3"/>
+              </a:cxn>
+              <a:cxn ang="0">
+                <a:pos x="connsiteX4" y="connsiteY4"/>
+              </a:cxn>
+              <a:cxn ang="0">
+                <a:pos x="connsiteX5" y="connsiteY5"/>
+              </a:cxn>
+              <a:cxn ang="0">
+                <a:pos x="connsiteX6" y="connsiteY6"/>
+              </a:cxn>
+              <a:cxn ang="0">
+                <a:pos x="connsiteX7" y="connsiteY7"/>
+              </a:cxn>
+              <a:cxn ang="0">
+                <a:pos x="connsiteX8" y="connsiteY8"/>
+              </a:cxn>
+            </a:cxnLst>
+            <a:rect l="l" t="t" r="r" b="b"/>
+            <a:pathLst>
+              <a:path w="3900357" h="4178958">
+                <a:moveTo>
+                  <a:pt x="2432225" y="93939"/>
+                </a:moveTo>
+                <a:cubicBezTo>
+                  <a:pt x="3282786" y="358491"/>
+                  <a:pt x="3900357" y="1151865"/>
+                  <a:pt x="3900357" y="2089479"/>
+                </a:cubicBezTo>
+                <a:cubicBezTo>
+                  <a:pt x="3900357" y="3243466"/>
+                  <a:pt x="2964865" y="4178958"/>
+                  <a:pt x="1810878" y="4178958"/>
+                </a:cubicBezTo>
+                <a:cubicBezTo>
+                  <a:pt x="1089636" y="4178958"/>
+                  <a:pt x="453744" y="3813531"/>
+                  <a:pt x="78249" y="3257727"/>
+                </a:cubicBezTo>
+                <a:lnTo>
+                  <a:pt x="0" y="3128923"/>
+                </a:lnTo>
+                <a:lnTo>
+                  <a:pt x="831324" y="244281"/>
+                </a:lnTo>
+                <a:lnTo>
+                  <a:pt x="997559" y="164202"/>
+                </a:lnTo>
+                <a:cubicBezTo>
+                  <a:pt x="1247540" y="58468"/>
+                  <a:pt x="1522381" y="0"/>
+                  <a:pt x="1810878" y="0"/>
+                </a:cubicBezTo>
+                <a:cubicBezTo>
+                  <a:pt x="2027251" y="0"/>
+                  <a:pt x="2235942" y="32888"/>
+                  <a:pt x="2432225" y="93939"/>
+                </a:cubicBezTo>
+                <a:close/>
+              </a:path>
+            </a:pathLst>
+          </a:custGeom>
+          <a:gradFill>
+            <a:gsLst>
+              <a:gs pos="29000">
+                <a:srgbClr val="000000">
+                  <a:alpha val="0"/>
+                </a:srgbClr>
+              </a:gs>
+              <a:gs pos="100000">
+                <a:schemeClr val="accent1">
+                  <a:alpha val="43000"/>
+                </a:schemeClr>
+              </a:gs>
+            </a:gsLst>
+            <a:lin ang="1800000" scaled="0"/>
+          </a:gradFill>
+          <a:ln>
+            <a:noFill/>
+          </a:ln>
+        </p:spPr>
+        <p:style>
+          <a:lnRef idx="2">
+            <a:schemeClr val="accent1">
+              <a:shade val="50000"/>
+            </a:schemeClr>
+          </a:lnRef>
+          <a:fillRef idx="1">
+            <a:schemeClr val="accent1"/>
+          </a:fillRef>
+          <a:effectRef idx="0">
+            <a:schemeClr val="accent1"/>
+          </a:effectRef>
+          <a:fontRef idx="minor">
+            <a:schemeClr val="lt1"/>
+          </a:fontRef>
+        </p:style>
+        <p:txBody>
+          <a:bodyPr wrap="square" rtlCol="0" anchor="ctr">
+            <a:noAutofit/>
+          </a:bodyPr>
+          <a:lstStyle/>
+          <a:p>
+            <a:pPr algn="ctr"/>
+            <a:endParaRPr lang="en-US" dirty="0"/>
+          </a:p>
+        </p:txBody>
+      </p:sp>
+      <p:sp>
+        <p:nvSpPr>
+          <p:cNvPr id="19" name="Rectangle 18">
+            <a:extLst>
+              <a:ext uri="{FF2B5EF4-FFF2-40B4-BE49-F238E27FC236}">
+                <a16:creationId xmlns:a16="http://schemas.microsoft.com/office/drawing/2014/main" id="{443F2ACA-E6D6-4028-82DD-F03C262D5DE6}"/>
+              </a:ext>
+              <a:ext uri="{C183D7F6-B498-43B3-948B-1728B52AA6E4}">
+                <adec:decorative xmlns:adec="http://schemas.microsoft.com/office/drawing/2017/decorative" val="1"/>
+              </a:ext>
+            </a:extLst>
+          </p:cNvPr>
+          <p:cNvSpPr>
+            <a:spLocks noGrp="1" noRot="1" noChangeAspect="1" noMove="1" noResize="1" noEditPoints="1" noAdjustHandles="1" noChangeArrowheads="1" noChangeShapeType="1" noTextEdit="1"/>
+          </p:cNvSpPr>
+          <p:nvPr>
+            <p:extLst>
+              <p:ext uri="{386F3935-93C4-4BCD-93E2-E3B085C9AB24}">
+                <p16:designElem xmlns:p16="http://schemas.microsoft.com/office/powerpoint/2015/main" val="1"/>
+              </p:ext>
+            </p:extLst>
+          </p:nvPr>
+        </p:nvSpPr>
+        <p:spPr>
+          <a:xfrm rot="5400000" flipH="1">
+            <a:off x="-1410095" y="1410079"/>
+            <a:ext cx="6858003" cy="4037835"/>
+          </a:xfrm>
+          <a:prstGeom prst="rect">
+            <a:avLst/>
+          </a:prstGeom>
+          <a:gradFill>
+            <a:gsLst>
+              <a:gs pos="0">
+                <a:srgbClr val="000000">
+                  <a:alpha val="0"/>
+                </a:srgbClr>
+              </a:gs>
+              <a:gs pos="99000">
+                <a:schemeClr val="accent1">
+                  <a:lumMod val="60000"/>
+                  <a:lumOff val="40000"/>
+                  <a:alpha val="11000"/>
+                </a:schemeClr>
+              </a:gs>
+            </a:gsLst>
+            <a:lin ang="7200000" scaled="0"/>
+          </a:gradFill>
+          <a:ln>
+            <a:noFill/>
+          </a:ln>
+        </p:spPr>
+        <p:style>
+          <a:lnRef idx="2">
+            <a:schemeClr val="accent1">
+              <a:shade val="50000"/>
+            </a:schemeClr>
+          </a:lnRef>
+          <a:fillRef idx="1">
+            <a:schemeClr val="accent1"/>
+          </a:fillRef>
+          <a:effectRef idx="0">
+            <a:schemeClr val="accent1"/>
+          </a:effectRef>
+          <a:fontRef idx="minor">
+            <a:schemeClr val="lt1"/>
+          </a:fontRef>
+        </p:style>
+        <p:txBody>
+          <a:bodyPr rtlCol="0" anchor="ctr"/>
+          <a:lstStyle/>
+          <a:p>
+            <a:pPr algn="ctr"/>
+            <a:endParaRPr lang="en-US"/>
+          </a:p>
+        </p:txBody>
+      </p:sp>
+      <p:sp>
+        <p:nvSpPr>
+          <p:cNvPr id="2" name="제목 1">
+            <a:extLst>
+              <a:ext uri="{FF2B5EF4-FFF2-40B4-BE49-F238E27FC236}">
+                <a16:creationId xmlns:a16="http://schemas.microsoft.com/office/drawing/2014/main" id="{54E89F48-4BE2-5A37-3BCB-B782CB7B1612}"/>
+              </a:ext>
+            </a:extLst>
+          </p:cNvPr>
+          <p:cNvSpPr>
+            <a:spLocks noGrp="1"/>
+          </p:cNvSpPr>
+          <p:nvPr>
+            <p:ph type="title"/>
+          </p:nvPr>
+        </p:nvSpPr>
+        <p:spPr>
+          <a:xfrm>
+            <a:off x="586478" y="1683756"/>
+            <a:ext cx="3115265" cy="2396359"/>
+          </a:xfrm>
+        </p:spPr>
+        <p:txBody>
+          <a:bodyPr anchor="b">
+            <a:normAutofit/>
+          </a:bodyPr>
+          <a:lstStyle/>
+          <a:p>
+            <a:pPr algn="r"/>
+            <a:r>
+              <a:rPr lang="en-US" altLang="ko-KR" sz="4000">
+                <a:solidFill>
+                  <a:srgbClr val="FFFFFF"/>
+                </a:solidFill>
+              </a:rPr>
+              <a:t>Message vs Command</a:t>
+            </a:r>
+            <a:endParaRPr lang="ko-KR" altLang="en-US" sz="4000">
+              <a:solidFill>
+                <a:srgbClr val="FFFFFF"/>
+              </a:solidFill>
+            </a:endParaRPr>
+          </a:p>
+        </p:txBody>
+      </p:sp>
+      <p:graphicFrame>
+        <p:nvGraphicFramePr>
+          <p:cNvPr id="5" name="내용 개체 틀 2">
+            <a:extLst>
+              <a:ext uri="{FF2B5EF4-FFF2-40B4-BE49-F238E27FC236}">
+                <a16:creationId xmlns:a16="http://schemas.microsoft.com/office/drawing/2014/main" id="{D3AFB614-5957-F6F8-975B-01AB95944AEE}"/>
+              </a:ext>
+            </a:extLst>
+          </p:cNvPr>
+          <p:cNvGraphicFramePr>
+            <a:graphicFrameLocks noGrp="1"/>
+          </p:cNvGraphicFramePr>
+          <p:nvPr>
+            <p:ph idx="1"/>
+            <p:extLst>
+              <p:ext uri="{D42A27DB-BD31-4B8C-83A1-F6EECF244321}">
+                <p14:modId xmlns:p14="http://schemas.microsoft.com/office/powerpoint/2010/main" val="1927677582"/>
+              </p:ext>
+            </p:extLst>
+          </p:nvPr>
+        </p:nvGraphicFramePr>
+        <p:xfrm>
+          <a:off x="4905052" y="750440"/>
+          <a:ext cx="6666833" cy="5453920"/>
+        </p:xfrm>
+        <a:graphic>
+          <a:graphicData uri="http://schemas.openxmlformats.org/drawingml/2006/diagram">
+            <dgm:relIds xmlns:dgm="http://schemas.openxmlformats.org/drawingml/2006/diagram" xmlns:r="http://schemas.openxmlformats.org/officeDocument/2006/relationships" r:dm="rId2" r:lo="rId3" r:qs="rId4" r:cs="rId5"/>
+          </a:graphicData>
+        </a:graphic>
+      </p:graphicFrame>
+    </p:spTree>
+    <p:extLst>
+      <p:ext uri="{BB962C8B-B14F-4D97-AF65-F5344CB8AC3E}">
+        <p14:creationId xmlns:p14="http://schemas.microsoft.com/office/powerpoint/2010/main" val="3994171863"/>
       </p:ext>
     </p:extLst>
   </p:cSld>
